--- a/output/topic_neural_network.pptx
+++ b/output/topic_neural_network.pptx
@@ -17,6 +17,12 @@
     <p:sldId id="265" r:id="rId15"/>
     <p:sldId id="266" r:id="rId16"/>
     <p:sldId id="267" r:id="rId17"/>
+    <p:sldId id="268" r:id="rId18"/>
+    <p:sldId id="269" r:id="rId19"/>
+    <p:sldId id="270" r:id="rId20"/>
+    <p:sldId id="271" r:id="rId21"/>
+    <p:sldId id="272" r:id="rId22"/>
+    <p:sldId id="273" r:id="rId23"/>
   </p:sldIdLst>
   <p:sldSz cx="12192000" cy="6858000"/>
   <p:notesSz cx="6858000" cy="9144000"/>
@@ -6033,93 +6039,86 @@
       <p:grpSpPr/>
       <p:sp>
         <p:nvSpPr>
-          <p:cNvPr id="2" name="Title 1"/>
-          <p:cNvSpPr>
-            <a:spLocks noGrp="1"/>
-          </p:cNvSpPr>
-          <p:nvPr>
-            <p:ph type="title"/>
-          </p:nvPr>
-        </p:nvSpPr>
-        <p:spPr/>
-        <p:txBody>
-          <a:bodyPr/>
-          <a:lstStyle/>
-          <a:p>
-            <a:r>
-              <a:t>Advantages and Disadvantages of Neural Networks</a:t>
-            </a:r>
-          </a:p>
-        </p:txBody>
-      </p:sp>
-      <p:sp>
-        <p:nvSpPr>
-          <p:cNvPr id="3" name="Content Placeholder 2"/>
-          <p:cNvSpPr>
-            <a:spLocks noGrp="1"/>
-          </p:cNvSpPr>
-          <p:nvPr>
-            <p:ph idx="1"/>
-          </p:nvPr>
-        </p:nvSpPr>
-        <p:spPr/>
-        <p:txBody>
-          <a:bodyPr/>
-          <a:lstStyle/>
-          <a:p/>
+          <p:cNvPr id="2" name="TextBox 1"/>
+          <p:cNvSpPr txBox="1"/>
+          <p:nvPr/>
+        </p:nvSpPr>
+        <p:spPr>
+          <a:xfrm>
+            <a:off x="457200" y="457200"/>
+            <a:ext cx="8229600" cy="914400"/>
+          </a:xfrm>
+          <a:prstGeom prst="rect">
+            <a:avLst/>
+          </a:prstGeom>
+          <a:noFill/>
+        </p:spPr>
+        <p:txBody>
+          <a:bodyPr wrap="none">
+            <a:spAutoFit/>
+          </a:bodyPr>
+          <a:lstStyle/>
           <a:p>
             <a:pPr>
-              <a:lnSpc>
-                <a:spcPct val="115000"/>
-              </a:lnSpc>
-              <a:defRPr sz="1800"/>
+              <a:defRPr sz="3200" b="1"/>
             </a:pPr>
             <a:r>
-              <a:t>Advantages:  High accuracy, adaptability, ability to handle complex data.</a:t>
-            </a:r>
-          </a:p>
-          <a:p>
-            <a:pPr>
-              <a:lnSpc>
-                <a:spcPct val="115000"/>
-              </a:lnSpc>
-              <a:defRPr sz="1800"/>
+              <a:t>Types of Neural Networks - Visual Content</a:t>
+            </a:r>
+          </a:p>
+        </p:txBody>
+      </p:sp>
+      <p:pic>
+        <p:nvPicPr>
+          <p:cNvPr id="3" name="Picture 2" descr="page_6_img_7.jpg"/>
+          <p:cNvPicPr>
+            <a:picLocks noChangeAspect="1"/>
+          </p:cNvPicPr>
+          <p:nvPr/>
+        </p:nvPicPr>
+        <p:blipFill>
+          <a:blip r:embed="rId2"/>
+          <a:stretch>
+            <a:fillRect/>
+          </a:stretch>
+        </p:blipFill>
+        <p:spPr>
+          <a:xfrm>
+            <a:off x="914400" y="1371600"/>
+            <a:ext cx="7315200" cy="4114800"/>
+          </a:xfrm>
+          <a:prstGeom prst="rect">
+            <a:avLst/>
+          </a:prstGeom>
+        </p:spPr>
+      </p:pic>
+      <p:sp>
+        <p:nvSpPr>
+          <p:cNvPr id="4" name="TextBox 3"/>
+          <p:cNvSpPr txBox="1"/>
+          <p:nvPr/>
+        </p:nvSpPr>
+        <p:spPr>
+          <a:xfrm>
+            <a:off x="914400" y="5577840"/>
+            <a:ext cx="7315200" cy="274320"/>
+          </a:xfrm>
+          <a:prstGeom prst="rect">
+            <a:avLst/>
+          </a:prstGeom>
+          <a:noFill/>
+        </p:spPr>
+        <p:txBody>
+          <a:bodyPr wrap="none">
+            <a:spAutoFit/>
+          </a:bodyPr>
+          <a:lstStyle/>
+          <a:p>
+            <a:pPr algn="ctr">
+              <a:defRPr sz="1000" i="1"/>
             </a:pPr>
             <a:r>
-              <a:t>Disadvantages:  Computational cost,</a:t>
-            </a:r>
-          </a:p>
-          <a:p>
-            <a:pPr>
-              <a:lnSpc>
-                <a:spcPct val="115000"/>
-              </a:lnSpc>
-              <a:defRPr sz="1800"/>
-            </a:pPr>
-            <a:r>
-              <a:t>Data dependency: Performance is highly dependent on the quality and quantity of data.</a:t>
-            </a:r>
-          </a:p>
-          <a:p>
-            <a:pPr>
-              <a:lnSpc>
-                <a:spcPct val="115000"/>
-              </a:lnSpc>
-              <a:defRPr sz="1800"/>
-            </a:pPr>
-            <a:r>
-              <a:t>Overfitting and underfitting issues.</a:t>
-            </a:r>
-          </a:p>
-          <a:p>
-            <a:pPr>
-              <a:lnSpc>
-                <a:spcPct val="115000"/>
-              </a:lnSpc>
-              <a:defRPr sz="1800"/>
-            </a:pPr>
-            <a:r>
-              <a:t>Interpretability challenges.</a:t>
+              <a:t>training neural network</a:t>
             </a:r>
           </a:p>
         </p:txBody>
@@ -6158,7 +6157,7 @@
           <a:lstStyle/>
           <a:p>
             <a:r>
-              <a:t>Future Trends in Neural Networks</a:t>
+              <a:t>Training a Neural Network: Backpropagation</a:t>
             </a:r>
           </a:p>
         </p:txBody>
@@ -6186,7 +6185,7 @@
               <a:defRPr sz="1800"/>
             </a:pPr>
             <a:r>
-              <a:t>Explainable AI (XAI) for increased transparency.</a:t>
+              <a:t>The concept of supervised learning.</a:t>
             </a:r>
           </a:p>
           <a:p>
@@ -6197,7 +6196,7 @@
               <a:defRPr sz="1800"/>
             </a:pPr>
             <a:r>
-              <a:t>Spiking Neural Networks (SNNs) for energy efficiency.</a:t>
+              <a:t>Forward propagation: Calculating the output.</a:t>
             </a:r>
           </a:p>
           <a:p>
@@ -6208,7 +6207,7 @@
               <a:defRPr sz="1800"/>
             </a:pPr>
             <a:r>
-              <a:t>Quantum neural networks for enhanced processing power.</a:t>
+              <a:t>Backpropagation: Calculating the error.</a:t>
             </a:r>
           </a:p>
           <a:p>
@@ -6219,7 +6218,7 @@
               <a:defRPr sz="1800"/>
             </a:pPr>
             <a:r>
-              <a:t>Neuromorphic computing hardware.</a:t>
+              <a:t>Gradient descent: Adjusting weights and biases.</a:t>
             </a:r>
           </a:p>
           <a:p>
@@ -6230,7 +6229,7 @@
               <a:defRPr sz="1800"/>
             </a:pPr>
             <a:r>
-              <a:t>Further advancements in deep learning techniques.</a:t>
+              <a:t>Loss functions: Measuring the error.</a:t>
             </a:r>
           </a:p>
         </p:txBody>
@@ -6255,6 +6254,110 @@
       <p:grpSpPr/>
       <p:sp>
         <p:nvSpPr>
+          <p:cNvPr id="2" name="TextBox 1"/>
+          <p:cNvSpPr txBox="1"/>
+          <p:nvPr/>
+        </p:nvSpPr>
+        <p:spPr>
+          <a:xfrm>
+            <a:off x="457200" y="457200"/>
+            <a:ext cx="8229600" cy="914400"/>
+          </a:xfrm>
+          <a:prstGeom prst="rect">
+            <a:avLst/>
+          </a:prstGeom>
+          <a:noFill/>
+        </p:spPr>
+        <p:txBody>
+          <a:bodyPr wrap="none">
+            <a:spAutoFit/>
+          </a:bodyPr>
+          <a:lstStyle/>
+          <a:p>
+            <a:pPr>
+              <a:defRPr sz="3200" b="1"/>
+            </a:pPr>
+            <a:r>
+              <a:t>Training a Neural Network: Backpropagation - Visual Content</a:t>
+            </a:r>
+          </a:p>
+        </p:txBody>
+      </p:sp>
+      <p:pic>
+        <p:nvPicPr>
+          <p:cNvPr id="3" name="Picture 2" descr="page_7_img_8.jpg"/>
+          <p:cNvPicPr>
+            <a:picLocks noChangeAspect="1"/>
+          </p:cNvPicPr>
+          <p:nvPr/>
+        </p:nvPicPr>
+        <p:blipFill>
+          <a:blip r:embed="rId2"/>
+          <a:stretch>
+            <a:fillRect/>
+          </a:stretch>
+        </p:blipFill>
+        <p:spPr>
+          <a:xfrm>
+            <a:off x="914400" y="1371600"/>
+            <a:ext cx="7315200" cy="4114800"/>
+          </a:xfrm>
+          <a:prstGeom prst="rect">
+            <a:avLst/>
+          </a:prstGeom>
+        </p:spPr>
+      </p:pic>
+      <p:sp>
+        <p:nvSpPr>
+          <p:cNvPr id="4" name="TextBox 3"/>
+          <p:cNvSpPr txBox="1"/>
+          <p:nvPr/>
+        </p:nvSpPr>
+        <p:spPr>
+          <a:xfrm>
+            <a:off x="914400" y="5577840"/>
+            <a:ext cx="7315200" cy="274320"/>
+          </a:xfrm>
+          <a:prstGeom prst="rect">
+            <a:avLst/>
+          </a:prstGeom>
+          <a:noFill/>
+        </p:spPr>
+        <p:txBody>
+          <a:bodyPr wrap="none">
+            <a:spAutoFit/>
+          </a:bodyPr>
+          <a:lstStyle/>
+          <a:p>
+            <a:pPr algn="ctr">
+              <a:defRPr sz="1000" i="1"/>
+            </a:pPr>
+            <a:r>
+              <a:t>applications neural networks</a:t>
+            </a:r>
+          </a:p>
+        </p:txBody>
+      </p:sp>
+    </p:spTree>
+  </p:cSld>
+  <p:clrMapOvr>
+    <a:masterClrMapping/>
+  </p:clrMapOvr>
+</p:sld>
+</file>
+
+<file path=ppt/slides/slide13.xml><?xml version="1.0" encoding="utf-8"?>
+<p:sld xmlns:a="http://schemas.openxmlformats.org/drawingml/2006/main" xmlns:p="http://schemas.openxmlformats.org/presentationml/2006/main" xmlns:r="http://schemas.openxmlformats.org/officeDocument/2006/relationships">
+  <p:cSld>
+    <p:spTree>
+      <p:nvGrpSpPr>
+        <p:cNvPr id="1" name=""/>
+        <p:cNvGrpSpPr/>
+        <p:nvPr/>
+      </p:nvGrpSpPr>
+      <p:grpSpPr/>
+      <p:sp>
+        <p:nvSpPr>
           <p:cNvPr id="2" name="Title 1"/>
           <p:cNvSpPr>
             <a:spLocks noGrp="1"/>
@@ -6269,7 +6372,7 @@
           <a:lstStyle/>
           <a:p>
             <a:r>
-              <a:t>Conclusion: Key Takeaways and Future Directions</a:t>
+              <a:t>Applications of Neural Networks</a:t>
             </a:r>
           </a:p>
         </p:txBody>
@@ -6297,7 +6400,7 @@
               <a:defRPr sz="1800"/>
             </a:pPr>
             <a:r>
-              <a:t>Summary of key concepts covered.</a:t>
+              <a:t>Image recognition and classification.</a:t>
             </a:r>
           </a:p>
           <a:p>
@@ -6308,7 +6411,7 @@
               <a:defRPr sz="1800"/>
             </a:pPr>
             <a:r>
-              <a:t>Recap of the power and limitations of neural networks.</a:t>
+              <a:t>Natural language processing (NLP).</a:t>
             </a:r>
           </a:p>
           <a:p>
@@ -6319,7 +6422,7 @@
               <a:defRPr sz="1800"/>
             </a:pPr>
             <a:r>
-              <a:t>Discussion of the exciting future of neural network research.</a:t>
+              <a:t>Speech recognition.</a:t>
             </a:r>
           </a:p>
           <a:p>
@@ -6330,7 +6433,7 @@
               <a:defRPr sz="1800"/>
             </a:pPr>
             <a:r>
-              <a:t>Call to action: Encourage further exploration.</a:t>
+              <a:t>Self-driving cars.</a:t>
             </a:r>
           </a:p>
           <a:p>
@@ -6341,7 +6444,658 @@
               <a:defRPr sz="1800"/>
             </a:pPr>
             <a:r>
+              <a:t>Medical diagnosis.</a:t>
+            </a:r>
+          </a:p>
+        </p:txBody>
+      </p:sp>
+    </p:spTree>
+  </p:cSld>
+  <p:clrMapOvr>
+    <a:masterClrMapping/>
+  </p:clrMapOvr>
+</p:sld>
+</file>
+
+<file path=ppt/slides/slide14.xml><?xml version="1.0" encoding="utf-8"?>
+<p:sld xmlns:a="http://schemas.openxmlformats.org/drawingml/2006/main" xmlns:p="http://schemas.openxmlformats.org/presentationml/2006/main" xmlns:r="http://schemas.openxmlformats.org/officeDocument/2006/relationships">
+  <p:cSld>
+    <p:spTree>
+      <p:nvGrpSpPr>
+        <p:cNvPr id="1" name=""/>
+        <p:cNvGrpSpPr/>
+        <p:nvPr/>
+      </p:nvGrpSpPr>
+      <p:grpSpPr/>
+      <p:sp>
+        <p:nvSpPr>
+          <p:cNvPr id="2" name="Title 1"/>
+          <p:cNvSpPr>
+            <a:spLocks noGrp="1"/>
+          </p:cNvSpPr>
+          <p:nvPr>
+            <p:ph type="title"/>
+          </p:nvPr>
+        </p:nvSpPr>
+        <p:spPr/>
+        <p:txBody>
+          <a:bodyPr/>
+          <a:lstStyle/>
+          <a:p>
+            <a:r>
+              <a:t>Advantages and Disadvantages of Neural Networks</a:t>
+            </a:r>
+          </a:p>
+        </p:txBody>
+      </p:sp>
+      <p:sp>
+        <p:nvSpPr>
+          <p:cNvPr id="3" name="Content Placeholder 2"/>
+          <p:cNvSpPr>
+            <a:spLocks noGrp="1"/>
+          </p:cNvSpPr>
+          <p:nvPr>
+            <p:ph idx="1"/>
+          </p:nvPr>
+        </p:nvSpPr>
+        <p:spPr/>
+        <p:txBody>
+          <a:bodyPr/>
+          <a:lstStyle/>
+          <a:p/>
+          <a:p>
+            <a:pPr>
+              <a:lnSpc>
+                <a:spcPct val="115000"/>
+              </a:lnSpc>
+              <a:defRPr sz="1800"/>
+            </a:pPr>
+            <a:r>
+              <a:t>Advantages: Powerful pattern recognition, adaptability, scalability.</a:t>
+            </a:r>
+          </a:p>
+          <a:p>
+            <a:pPr>
+              <a:lnSpc>
+                <a:spcPct val="115000"/>
+              </a:lnSpc>
+              <a:defRPr sz="1800"/>
+            </a:pPr>
+            <a:r>
+              <a:t>Disadvantages: Black box nature, data dependency, computational cost, overfitting.</a:t>
+            </a:r>
+          </a:p>
+          <a:p>
+            <a:pPr>
+              <a:lnSpc>
+                <a:spcPct val="115000"/>
+              </a:lnSpc>
+              <a:defRPr sz="1800"/>
+            </a:pPr>
+            <a:r>
+              <a:t>Addressing limitations through techniques like regularization and dropout.</a:t>
+            </a:r>
+          </a:p>
+          <a:p>
+            <a:pPr>
+              <a:lnSpc>
+                <a:spcPct val="115000"/>
+              </a:lnSpc>
+              <a:defRPr sz="1800"/>
+            </a:pPr>
+            <a:r>
+              <a:t>The need for large datasets.</a:t>
+            </a:r>
+          </a:p>
+          <a:p>
+            <a:pPr>
+              <a:lnSpc>
+                <a:spcPct val="115000"/>
+              </a:lnSpc>
+              <a:defRPr sz="1800"/>
+            </a:pPr>
+            <a:r>
+              <a:t>Computational resource requirements.</a:t>
+            </a:r>
+          </a:p>
+        </p:txBody>
+      </p:sp>
+    </p:spTree>
+  </p:cSld>
+  <p:clrMapOvr>
+    <a:masterClrMapping/>
+  </p:clrMapOvr>
+</p:sld>
+</file>
+
+<file path=ppt/slides/slide15.xml><?xml version="1.0" encoding="utf-8"?>
+<p:sld xmlns:a="http://schemas.openxmlformats.org/drawingml/2006/main" xmlns:p="http://schemas.openxmlformats.org/presentationml/2006/main" xmlns:r="http://schemas.openxmlformats.org/officeDocument/2006/relationships">
+  <p:cSld>
+    <p:spTree>
+      <p:nvGrpSpPr>
+        <p:cNvPr id="1" name=""/>
+        <p:cNvGrpSpPr/>
+        <p:nvPr/>
+      </p:nvGrpSpPr>
+      <p:grpSpPr/>
+      <p:sp>
+        <p:nvSpPr>
+          <p:cNvPr id="2" name="Title 1"/>
+          <p:cNvSpPr>
+            <a:spLocks noGrp="1"/>
+          </p:cNvSpPr>
+          <p:nvPr>
+            <p:ph type="title"/>
+          </p:nvPr>
+        </p:nvSpPr>
+        <p:spPr/>
+        <p:txBody>
+          <a:bodyPr/>
+          <a:lstStyle/>
+          <a:p>
+            <a:r>
+              <a:t>The Future of Neural Networks</a:t>
+            </a:r>
+          </a:p>
+        </p:txBody>
+      </p:sp>
+      <p:sp>
+        <p:nvSpPr>
+          <p:cNvPr id="3" name="Content Placeholder 2"/>
+          <p:cNvSpPr>
+            <a:spLocks noGrp="1"/>
+          </p:cNvSpPr>
+          <p:nvPr>
+            <p:ph idx="1"/>
+          </p:nvPr>
+        </p:nvSpPr>
+        <p:spPr/>
+        <p:txBody>
+          <a:bodyPr/>
+          <a:lstStyle/>
+          <a:p/>
+          <a:p>
+            <a:pPr>
+              <a:lnSpc>
+                <a:spcPct val="115000"/>
+              </a:lnSpc>
+              <a:defRPr sz="1800"/>
+            </a:pPr>
+            <a:r>
+              <a:t>Advancements in deep learning.</a:t>
+            </a:r>
+          </a:p>
+          <a:p>
+            <a:pPr>
+              <a:lnSpc>
+                <a:spcPct val="115000"/>
+              </a:lnSpc>
+              <a:defRPr sz="1800"/>
+            </a:pPr>
+            <a:r>
+              <a:t>New architectures and algorithms.</a:t>
+            </a:r>
+          </a:p>
+          <a:p>
+            <a:pPr>
+              <a:lnSpc>
+                <a:spcPct val="115000"/>
+              </a:lnSpc>
+              <a:defRPr sz="1800"/>
+            </a:pPr>
+            <a:r>
+              <a:t>Ethical considerations and responsible AI.</a:t>
+            </a:r>
+          </a:p>
+          <a:p>
+            <a:pPr>
+              <a:lnSpc>
+                <a:spcPct val="115000"/>
+              </a:lnSpc>
+              <a:defRPr sz="1800"/>
+            </a:pPr>
+            <a:r>
+              <a:t>Potential breakthroughs in various fields.</a:t>
+            </a:r>
+          </a:p>
+          <a:p>
+            <a:pPr>
+              <a:lnSpc>
+                <a:spcPct val="115000"/>
+              </a:lnSpc>
+              <a:defRPr sz="1800"/>
+            </a:pPr>
+            <a:r>
+              <a:t>Ongoing research and development.</a:t>
+            </a:r>
+          </a:p>
+        </p:txBody>
+      </p:sp>
+    </p:spTree>
+  </p:cSld>
+  <p:clrMapOvr>
+    <a:masterClrMapping/>
+  </p:clrMapOvr>
+</p:sld>
+</file>
+
+<file path=ppt/slides/slide16.xml><?xml version="1.0" encoding="utf-8"?>
+<p:sld xmlns:a="http://schemas.openxmlformats.org/drawingml/2006/main" xmlns:p="http://schemas.openxmlformats.org/presentationml/2006/main" xmlns:r="http://schemas.openxmlformats.org/officeDocument/2006/relationships">
+  <p:cSld>
+    <p:spTree>
+      <p:nvGrpSpPr>
+        <p:cNvPr id="1" name=""/>
+        <p:cNvGrpSpPr/>
+        <p:nvPr/>
+      </p:nvGrpSpPr>
+      <p:grpSpPr/>
+      <p:sp>
+        <p:nvSpPr>
+          <p:cNvPr id="2" name="Title 1"/>
+          <p:cNvSpPr>
+            <a:spLocks noGrp="1"/>
+          </p:cNvSpPr>
+          <p:nvPr>
+            <p:ph type="title"/>
+          </p:nvPr>
+        </p:nvSpPr>
+        <p:spPr/>
+        <p:txBody>
+          <a:bodyPr/>
+          <a:lstStyle/>
+          <a:p>
+            <a:r>
+              <a:t>Conclusion: Key Takeaways and Future Directions</a:t>
+            </a:r>
+          </a:p>
+        </p:txBody>
+      </p:sp>
+      <p:sp>
+        <p:nvSpPr>
+          <p:cNvPr id="3" name="Content Placeholder 2"/>
+          <p:cNvSpPr>
+            <a:spLocks noGrp="1"/>
+          </p:cNvSpPr>
+          <p:nvPr>
+            <p:ph idx="1"/>
+          </p:nvPr>
+        </p:nvSpPr>
+        <p:spPr/>
+        <p:txBody>
+          <a:bodyPr/>
+          <a:lstStyle/>
+          <a:p/>
+          <a:p>
+            <a:pPr>
+              <a:lnSpc>
+                <a:spcPct val="115000"/>
+              </a:lnSpc>
+              <a:defRPr sz="1800"/>
+            </a:pPr>
+            <a:r>
+              <a:t>Summary of key concepts covered.</a:t>
+            </a:r>
+          </a:p>
+          <a:p>
+            <a:pPr>
+              <a:lnSpc>
+                <a:spcPct val="115000"/>
+              </a:lnSpc>
+              <a:defRPr sz="1800"/>
+            </a:pPr>
+            <a:r>
+              <a:t>Recap of the advantages and limitations.</a:t>
+            </a:r>
+          </a:p>
+          <a:p>
+            <a:pPr>
+              <a:lnSpc>
+                <a:spcPct val="115000"/>
+              </a:lnSpc>
+              <a:defRPr sz="1800"/>
+            </a:pPr>
+            <a:r>
+              <a:t>Emphasis on the transformative potential of neural networks.</a:t>
+            </a:r>
+          </a:p>
+          <a:p>
+            <a:pPr>
+              <a:lnSpc>
+                <a:spcPct val="115000"/>
+              </a:lnSpc>
+              <a:defRPr sz="1800"/>
+            </a:pPr>
+            <a:r>
+              <a:t>Call to action: Further exploration and learning.</a:t>
+            </a:r>
+          </a:p>
+          <a:p>
+            <a:pPr>
+              <a:lnSpc>
+                <a:spcPct val="115000"/>
+              </a:lnSpc>
+              <a:defRPr sz="1800"/>
+            </a:pPr>
+            <a:r>
               <a:t>Q&amp;A session.</a:t>
+            </a:r>
+          </a:p>
+        </p:txBody>
+      </p:sp>
+    </p:spTree>
+  </p:cSld>
+  <p:clrMapOvr>
+    <a:masterClrMapping/>
+  </p:clrMapOvr>
+</p:sld>
+</file>
+
+<file path=ppt/slides/slide17.xml><?xml version="1.0" encoding="utf-8"?>
+<p:sld xmlns:a="http://schemas.openxmlformats.org/drawingml/2006/main" xmlns:p="http://schemas.openxmlformats.org/presentationml/2006/main" xmlns:r="http://schemas.openxmlformats.org/officeDocument/2006/relationships">
+  <p:cSld>
+    <p:spTree>
+      <p:nvGrpSpPr>
+        <p:cNvPr id="1" name=""/>
+        <p:cNvGrpSpPr/>
+        <p:nvPr/>
+      </p:nvGrpSpPr>
+      <p:grpSpPr/>
+      <p:sp>
+        <p:nvSpPr>
+          <p:cNvPr id="2" name="TextBox 1"/>
+          <p:cNvSpPr txBox="1"/>
+          <p:nvPr/>
+        </p:nvSpPr>
+        <p:spPr>
+          <a:xfrm>
+            <a:off x="457200" y="457200"/>
+            <a:ext cx="8229600" cy="914400"/>
+          </a:xfrm>
+          <a:prstGeom prst="rect">
+            <a:avLst/>
+          </a:prstGeom>
+          <a:noFill/>
+        </p:spPr>
+        <p:txBody>
+          <a:bodyPr wrap="none">
+            <a:spAutoFit/>
+          </a:bodyPr>
+          <a:lstStyle/>
+          <a:p>
+            <a:pPr>
+              <a:defRPr sz="3200" b="1"/>
+            </a:pPr>
+            <a:r>
+              <a:t>Additional Images - Part 1</a:t>
+            </a:r>
+          </a:p>
+        </p:txBody>
+      </p:sp>
+      <p:pic>
+        <p:nvPicPr>
+          <p:cNvPr id="3" name="Picture 2" descr="page_1_img_1.jpg"/>
+          <p:cNvPicPr>
+            <a:picLocks noChangeAspect="1"/>
+          </p:cNvPicPr>
+          <p:nvPr/>
+        </p:nvPicPr>
+        <p:blipFill>
+          <a:blip r:embed="rId2"/>
+          <a:stretch>
+            <a:fillRect/>
+          </a:stretch>
+        </p:blipFill>
+        <p:spPr>
+          <a:xfrm>
+            <a:off x="914400" y="1371600"/>
+            <a:ext cx="3657600" cy="2743200"/>
+          </a:xfrm>
+          <a:prstGeom prst="rect">
+            <a:avLst/>
+          </a:prstGeom>
+        </p:spPr>
+      </p:pic>
+      <p:sp>
+        <p:nvSpPr>
+          <p:cNvPr id="4" name="TextBox 3"/>
+          <p:cNvSpPr txBox="1"/>
+          <p:nvPr/>
+        </p:nvSpPr>
+        <p:spPr>
+          <a:xfrm>
+            <a:off x="914400" y="4206240"/>
+            <a:ext cx="3657600" cy="274320"/>
+          </a:xfrm>
+          <a:prstGeom prst="rect">
+            <a:avLst/>
+          </a:prstGeom>
+          <a:noFill/>
+        </p:spPr>
+        <p:txBody>
+          <a:bodyPr wrap="none">
+            <a:spAutoFit/>
+          </a:bodyPr>
+          <a:lstStyle/>
+          <a:p>
+            <a:pPr algn="ctr">
+              <a:defRPr sz="1000" i="1"/>
+            </a:pPr>
+            <a:r>
+              <a:t>neural networks</a:t>
+            </a:r>
+          </a:p>
+        </p:txBody>
+      </p:sp>
+      <p:pic>
+        <p:nvPicPr>
+          <p:cNvPr id="5" name="Picture 4" descr="page_1_img_2.jpg"/>
+          <p:cNvPicPr>
+            <a:picLocks noChangeAspect="1"/>
+          </p:cNvPicPr>
+          <p:nvPr/>
+        </p:nvPicPr>
+        <p:blipFill>
+          <a:blip r:embed="rId3"/>
+          <a:stretch>
+            <a:fillRect/>
+          </a:stretch>
+        </p:blipFill>
+        <p:spPr>
+          <a:xfrm>
+            <a:off x="5029200" y="1371600"/>
+            <a:ext cx="3657600" cy="2743200"/>
+          </a:xfrm>
+          <a:prstGeom prst="rect">
+            <a:avLst/>
+          </a:prstGeom>
+        </p:spPr>
+      </p:pic>
+      <p:sp>
+        <p:nvSpPr>
+          <p:cNvPr id="6" name="TextBox 5"/>
+          <p:cNvSpPr txBox="1"/>
+          <p:nvPr/>
+        </p:nvSpPr>
+        <p:spPr>
+          <a:xfrm>
+            <a:off x="5029200" y="4206240"/>
+            <a:ext cx="3657600" cy="274320"/>
+          </a:xfrm>
+          <a:prstGeom prst="rect">
+            <a:avLst/>
+          </a:prstGeom>
+          <a:noFill/>
+        </p:spPr>
+        <p:txBody>
+          <a:bodyPr wrap="none">
+            <a:spAutoFit/>
+          </a:bodyPr>
+          <a:lstStyle/>
+          <a:p>
+            <a:pPr algn="ctr">
+              <a:defRPr sz="1000" i="1"/>
+            </a:pPr>
+            <a:r>
+              <a:t>neural networks</a:t>
+            </a:r>
+          </a:p>
+        </p:txBody>
+      </p:sp>
+    </p:spTree>
+  </p:cSld>
+  <p:clrMapOvr>
+    <a:masterClrMapping/>
+  </p:clrMapOvr>
+</p:sld>
+</file>
+
+<file path=ppt/slides/slide18.xml><?xml version="1.0" encoding="utf-8"?>
+<p:sld xmlns:a="http://schemas.openxmlformats.org/drawingml/2006/main" xmlns:p="http://schemas.openxmlformats.org/presentationml/2006/main" xmlns:r="http://schemas.openxmlformats.org/officeDocument/2006/relationships">
+  <p:cSld>
+    <p:spTree>
+      <p:nvGrpSpPr>
+        <p:cNvPr id="1" name=""/>
+        <p:cNvGrpSpPr/>
+        <p:nvPr/>
+      </p:nvGrpSpPr>
+      <p:grpSpPr/>
+      <p:sp>
+        <p:nvSpPr>
+          <p:cNvPr id="2" name="TextBox 1"/>
+          <p:cNvSpPr txBox="1"/>
+          <p:nvPr/>
+        </p:nvSpPr>
+        <p:spPr>
+          <a:xfrm>
+            <a:off x="457200" y="457200"/>
+            <a:ext cx="8229600" cy="914400"/>
+          </a:xfrm>
+          <a:prstGeom prst="rect">
+            <a:avLst/>
+          </a:prstGeom>
+          <a:noFill/>
+        </p:spPr>
+        <p:txBody>
+          <a:bodyPr wrap="none">
+            <a:spAutoFit/>
+          </a:bodyPr>
+          <a:lstStyle/>
+          <a:p>
+            <a:pPr>
+              <a:defRPr sz="3200" b="1"/>
+            </a:pPr>
+            <a:r>
+              <a:t>Additional Images - Part 2</a:t>
+            </a:r>
+          </a:p>
+        </p:txBody>
+      </p:sp>
+      <p:pic>
+        <p:nvPicPr>
+          <p:cNvPr id="3" name="Picture 2" descr="page_1_img_2.jpg"/>
+          <p:cNvPicPr>
+            <a:picLocks noChangeAspect="1"/>
+          </p:cNvPicPr>
+          <p:nvPr/>
+        </p:nvPicPr>
+        <p:blipFill>
+          <a:blip r:embed="rId2"/>
+          <a:stretch>
+            <a:fillRect/>
+          </a:stretch>
+        </p:blipFill>
+        <p:spPr>
+          <a:xfrm>
+            <a:off x="914400" y="1371600"/>
+            <a:ext cx="3657600" cy="2743200"/>
+          </a:xfrm>
+          <a:prstGeom prst="rect">
+            <a:avLst/>
+          </a:prstGeom>
+        </p:spPr>
+      </p:pic>
+      <p:sp>
+        <p:nvSpPr>
+          <p:cNvPr id="4" name="TextBox 3"/>
+          <p:cNvSpPr txBox="1"/>
+          <p:nvPr/>
+        </p:nvSpPr>
+        <p:spPr>
+          <a:xfrm>
+            <a:off x="914400" y="4206240"/>
+            <a:ext cx="3657600" cy="274320"/>
+          </a:xfrm>
+          <a:prstGeom prst="rect">
+            <a:avLst/>
+          </a:prstGeom>
+          <a:noFill/>
+        </p:spPr>
+        <p:txBody>
+          <a:bodyPr wrap="none">
+            <a:spAutoFit/>
+          </a:bodyPr>
+          <a:lstStyle/>
+          <a:p>
+            <a:pPr algn="ctr">
+              <a:defRPr sz="1000" i="1"/>
+            </a:pPr>
+            <a:r>
+              <a:t>introduction neural networks</a:t>
+            </a:r>
+          </a:p>
+        </p:txBody>
+      </p:sp>
+      <p:pic>
+        <p:nvPicPr>
+          <p:cNvPr id="5" name="Picture 4" descr="page_2_img_4.jpg"/>
+          <p:cNvPicPr>
+            <a:picLocks noChangeAspect="1"/>
+          </p:cNvPicPr>
+          <p:nvPr/>
+        </p:nvPicPr>
+        <p:blipFill>
+          <a:blip r:embed="rId3"/>
+          <a:stretch>
+            <a:fillRect/>
+          </a:stretch>
+        </p:blipFill>
+        <p:spPr>
+          <a:xfrm>
+            <a:off x="5029200" y="1371600"/>
+            <a:ext cx="3657600" cy="2743200"/>
+          </a:xfrm>
+          <a:prstGeom prst="rect">
+            <a:avLst/>
+          </a:prstGeom>
+        </p:spPr>
+      </p:pic>
+      <p:sp>
+        <p:nvSpPr>
+          <p:cNvPr id="6" name="TextBox 5"/>
+          <p:cNvSpPr txBox="1"/>
+          <p:nvPr/>
+        </p:nvSpPr>
+        <p:spPr>
+          <a:xfrm>
+            <a:off x="5029200" y="4206240"/>
+            <a:ext cx="3657600" cy="274320"/>
+          </a:xfrm>
+          <a:prstGeom prst="rect">
+            <a:avLst/>
+          </a:prstGeom>
+          <a:noFill/>
+        </p:spPr>
+        <p:txBody>
+          <a:bodyPr wrap="none">
+            <a:spAutoFit/>
+          </a:bodyPr>
+          <a:lstStyle/>
+          <a:p>
+            <a:pPr algn="ctr">
+              <a:defRPr sz="1000" i="1"/>
+            </a:pPr>
+            <a:r>
+              <a:t>introduction neural networks</a:t>
             </a:r>
           </a:p>
         </p:txBody>
@@ -6510,7 +7264,7 @@
               <a:defRPr sz="1800"/>
             </a:pPr>
             <a:r>
-              <a:t>2. Biological Inspiration and Artificial Neurons</a:t>
+              <a:t>2. The Biological Inspiration: Neurons and Synapses</a:t>
             </a:r>
           </a:p>
           <a:p>
@@ -6521,7 +7275,7 @@
               <a:defRPr sz="1800"/>
             </a:pPr>
             <a:r>
-              <a:t>3. Architecture of a Neural Network</a:t>
+              <a:t>3. Architecture of a Neural Network: Layers and Connections</a:t>
             </a:r>
           </a:p>
           <a:p>
@@ -6576,7 +7330,7 @@
               <a:defRPr sz="1800"/>
             </a:pPr>
             <a:r>
-              <a:t>8. Future Trends in Neural Networks</a:t>
+              <a:t>8. The Future of Neural Networks</a:t>
             </a:r>
           </a:p>
           <a:p>
@@ -6676,7 +7430,7 @@
               <a:defRPr sz="1800"/>
             </a:pPr>
             <a:r>
-              <a:t>The core concept of interconnected nodes (neurons).</a:t>
+              <a:t>The concept of artificial intelligence and machine learning.</a:t>
             </a:r>
           </a:p>
           <a:p>
@@ -6687,7 +7441,7 @@
               <a:defRPr sz="1800"/>
             </a:pPr>
             <a:r>
-              <a:t>Neural networks as function approximators.</a:t>
+              <a:t>Neural networks as a subset of machine learning.</a:t>
             </a:r>
           </a:p>
           <a:p>
@@ -6698,7 +7452,7 @@
               <a:defRPr sz="1800"/>
             </a:pPr>
             <a:r>
-              <a:t>The power of learning from data.</a:t>
+              <a:t>Simple analogy to explain the basic function.</a:t>
             </a:r>
           </a:p>
         </p:txBody>
@@ -6723,93 +7477,86 @@
       <p:grpSpPr/>
       <p:sp>
         <p:nvSpPr>
-          <p:cNvPr id="2" name="Title 1"/>
-          <p:cNvSpPr>
-            <a:spLocks noGrp="1"/>
-          </p:cNvSpPr>
-          <p:nvPr>
-            <p:ph type="title"/>
-          </p:nvPr>
-        </p:nvSpPr>
-        <p:spPr/>
-        <p:txBody>
-          <a:bodyPr/>
-          <a:lstStyle/>
-          <a:p>
-            <a:r>
-              <a:t>Biological Inspiration and Artificial Neurons</a:t>
-            </a:r>
-          </a:p>
-        </p:txBody>
-      </p:sp>
-      <p:sp>
-        <p:nvSpPr>
-          <p:cNvPr id="3" name="Content Placeholder 2"/>
-          <p:cNvSpPr>
-            <a:spLocks noGrp="1"/>
-          </p:cNvSpPr>
-          <p:nvPr>
-            <p:ph idx="1"/>
-          </p:nvPr>
-        </p:nvSpPr>
-        <p:spPr/>
-        <p:txBody>
-          <a:bodyPr/>
-          <a:lstStyle/>
-          <a:p/>
+          <p:cNvPr id="2" name="TextBox 1"/>
+          <p:cNvSpPr txBox="1"/>
+          <p:nvPr/>
+        </p:nvSpPr>
+        <p:spPr>
+          <a:xfrm>
+            <a:off x="457200" y="457200"/>
+            <a:ext cx="8229600" cy="914400"/>
+          </a:xfrm>
+          <a:prstGeom prst="rect">
+            <a:avLst/>
+          </a:prstGeom>
+          <a:noFill/>
+        </p:spPr>
+        <p:txBody>
+          <a:bodyPr wrap="none">
+            <a:spAutoFit/>
+          </a:bodyPr>
+          <a:lstStyle/>
           <a:p>
             <a:pPr>
-              <a:lnSpc>
-                <a:spcPct val="115000"/>
-              </a:lnSpc>
-              <a:defRPr sz="1800"/>
+              <a:defRPr sz="3200" b="1"/>
             </a:pPr>
             <a:r>
-              <a:t>Biological neurons and their functions.</a:t>
-            </a:r>
-          </a:p>
-          <a:p>
-            <a:pPr>
-              <a:lnSpc>
-                <a:spcPct val="115000"/>
-              </a:lnSpc>
-              <a:defRPr sz="1800"/>
+              <a:t>Introduction to Neural Networks - Visual Content</a:t>
+            </a:r>
+          </a:p>
+        </p:txBody>
+      </p:sp>
+      <p:pic>
+        <p:nvPicPr>
+          <p:cNvPr id="3" name="Picture 2" descr="page_3_img_5.jpg"/>
+          <p:cNvPicPr>
+            <a:picLocks noChangeAspect="1"/>
+          </p:cNvPicPr>
+          <p:nvPr/>
+        </p:nvPicPr>
+        <p:blipFill>
+          <a:blip r:embed="rId2"/>
+          <a:stretch>
+            <a:fillRect/>
+          </a:stretch>
+        </p:blipFill>
+        <p:spPr>
+          <a:xfrm>
+            <a:off x="914400" y="1371600"/>
+            <a:ext cx="7315200" cy="4114800"/>
+          </a:xfrm>
+          <a:prstGeom prst="rect">
+            <a:avLst/>
+          </a:prstGeom>
+        </p:spPr>
+      </p:pic>
+      <p:sp>
+        <p:nvSpPr>
+          <p:cNvPr id="4" name="TextBox 3"/>
+          <p:cNvSpPr txBox="1"/>
+          <p:nvPr/>
+        </p:nvSpPr>
+        <p:spPr>
+          <a:xfrm>
+            <a:off x="914400" y="5577840"/>
+            <a:ext cx="7315200" cy="274320"/>
+          </a:xfrm>
+          <a:prstGeom prst="rect">
+            <a:avLst/>
+          </a:prstGeom>
+          <a:noFill/>
+        </p:spPr>
+        <p:txBody>
+          <a:bodyPr wrap="none">
+            <a:spAutoFit/>
+          </a:bodyPr>
+          <a:lstStyle/>
+          <a:p>
+            <a:pPr algn="ctr">
+              <a:defRPr sz="1000" i="1"/>
             </a:pPr>
             <a:r>
-              <a:t>The structure of a biological neuron (dendrites, soma, axon).</a:t>
-            </a:r>
-          </a:p>
-          <a:p>
-            <a:pPr>
-              <a:lnSpc>
-                <a:spcPct val="115000"/>
-              </a:lnSpc>
-              <a:defRPr sz="1800"/>
-            </a:pPr>
-            <a:r>
-              <a:t>Simulating biological neurons with artificial neurons.</a:t>
-            </a:r>
-          </a:p>
-          <a:p>
-            <a:pPr>
-              <a:lnSpc>
-                <a:spcPct val="115000"/>
-              </a:lnSpc>
-              <a:defRPr sz="1800"/>
-            </a:pPr>
-            <a:r>
-              <a:t>The concept of weighted connections and activation functions.</a:t>
-            </a:r>
-          </a:p>
-          <a:p>
-            <a:pPr>
-              <a:lnSpc>
-                <a:spcPct val="115000"/>
-              </a:lnSpc>
-              <a:defRPr sz="1800"/>
-            </a:pPr>
-            <a:r>
-              <a:t>The role of synapses in biological and artificial networks.</a:t>
+              <a:t>biological inspiration</a:t>
             </a:r>
           </a:p>
         </p:txBody>
@@ -6848,7 +7595,7 @@
           <a:lstStyle/>
           <a:p>
             <a:r>
-              <a:t>Architecture of a Neural Network</a:t>
+              <a:t>The Biological Inspiration: Neurons and Synapses</a:t>
             </a:r>
           </a:p>
         </p:txBody>
@@ -6876,7 +7623,7 @@
               <a:defRPr sz="1800"/>
             </a:pPr>
             <a:r>
-              <a:t>Input layer: Receiving data.</a:t>
+              <a:t>Biological neurons and their function.</a:t>
             </a:r>
           </a:p>
           <a:p>
@@ -6887,7 +7634,7 @@
               <a:defRPr sz="1800"/>
             </a:pPr>
             <a:r>
-              <a:t>Hidden layers: Processing information.</a:t>
+              <a:t>Synapses and signal transmission.</a:t>
             </a:r>
           </a:p>
           <a:p>
@@ -6898,7 +7645,7 @@
               <a:defRPr sz="1800"/>
             </a:pPr>
             <a:r>
-              <a:t>Output layer: Generating results.</a:t>
+              <a:t>The connection to artificial neural networks.</a:t>
             </a:r>
           </a:p>
           <a:p>
@@ -6909,7 +7656,7 @@
               <a:defRPr sz="1800"/>
             </a:pPr>
             <a:r>
-              <a:t>Different network architectures (feedforward, recurrent, convolutional).</a:t>
+              <a:t>How the brain's parallel processing inspires NN design.</a:t>
             </a:r>
           </a:p>
           <a:p>
@@ -6920,7 +7667,7 @@
               <a:defRPr sz="1800"/>
             </a:pPr>
             <a:r>
-              <a:t>Understanding the flow of information through layers.</a:t>
+              <a:t>Limitations of the biological analogy.</a:t>
             </a:r>
           </a:p>
         </p:txBody>
@@ -6945,93 +7692,86 @@
       <p:grpSpPr/>
       <p:sp>
         <p:nvSpPr>
-          <p:cNvPr id="2" name="Title 1"/>
-          <p:cNvSpPr>
-            <a:spLocks noGrp="1"/>
-          </p:cNvSpPr>
-          <p:nvPr>
-            <p:ph type="title"/>
-          </p:nvPr>
-        </p:nvSpPr>
-        <p:spPr/>
-        <p:txBody>
-          <a:bodyPr/>
-          <a:lstStyle/>
-          <a:p>
-            <a:r>
-              <a:t>Types of Neural Networks</a:t>
-            </a:r>
-          </a:p>
-        </p:txBody>
-      </p:sp>
-      <p:sp>
-        <p:nvSpPr>
-          <p:cNvPr id="3" name="Content Placeholder 2"/>
-          <p:cNvSpPr>
-            <a:spLocks noGrp="1"/>
-          </p:cNvSpPr>
-          <p:nvPr>
-            <p:ph idx="1"/>
-          </p:nvPr>
-        </p:nvSpPr>
-        <p:spPr/>
-        <p:txBody>
-          <a:bodyPr/>
-          <a:lstStyle/>
-          <a:p/>
+          <p:cNvPr id="2" name="TextBox 1"/>
+          <p:cNvSpPr txBox="1"/>
+          <p:nvPr/>
+        </p:nvSpPr>
+        <p:spPr>
+          <a:xfrm>
+            <a:off x="457200" y="457200"/>
+            <a:ext cx="8229600" cy="914400"/>
+          </a:xfrm>
+          <a:prstGeom prst="rect">
+            <a:avLst/>
+          </a:prstGeom>
+          <a:noFill/>
+        </p:spPr>
+        <p:txBody>
+          <a:bodyPr wrap="none">
+            <a:spAutoFit/>
+          </a:bodyPr>
+          <a:lstStyle/>
           <a:p>
             <a:pPr>
-              <a:lnSpc>
-                <a:spcPct val="115000"/>
-              </a:lnSpc>
-              <a:defRPr sz="1800"/>
+              <a:defRPr sz="3200" b="1"/>
             </a:pPr>
             <a:r>
-              <a:t>Feedforward Neural Networks (FNNs).</a:t>
-            </a:r>
-          </a:p>
-          <a:p>
-            <a:pPr>
-              <a:lnSpc>
-                <a:spcPct val="115000"/>
-              </a:lnSpc>
-              <a:defRPr sz="1800"/>
+              <a:t>The Biological Inspiration: Neurons and Synapses - Visual Content</a:t>
+            </a:r>
+          </a:p>
+        </p:txBody>
+      </p:sp>
+      <p:pic>
+        <p:nvPicPr>
+          <p:cNvPr id="3" name="Picture 2" descr="page_4_img_6.jpg"/>
+          <p:cNvPicPr>
+            <a:picLocks noChangeAspect="1"/>
+          </p:cNvPicPr>
+          <p:nvPr/>
+        </p:nvPicPr>
+        <p:blipFill>
+          <a:blip r:embed="rId2"/>
+          <a:stretch>
+            <a:fillRect/>
+          </a:stretch>
+        </p:blipFill>
+        <p:spPr>
+          <a:xfrm>
+            <a:off x="914400" y="1371600"/>
+            <a:ext cx="7315200" cy="4114800"/>
+          </a:xfrm>
+          <a:prstGeom prst="rect">
+            <a:avLst/>
+          </a:prstGeom>
+        </p:spPr>
+      </p:pic>
+      <p:sp>
+        <p:nvSpPr>
+          <p:cNvPr id="4" name="TextBox 3"/>
+          <p:cNvSpPr txBox="1"/>
+          <p:nvPr/>
+        </p:nvSpPr>
+        <p:spPr>
+          <a:xfrm>
+            <a:off x="914400" y="5577840"/>
+            <a:ext cx="7315200" cy="274320"/>
+          </a:xfrm>
+          <a:prstGeom prst="rect">
+            <a:avLst/>
+          </a:prstGeom>
+          <a:noFill/>
+        </p:spPr>
+        <p:txBody>
+          <a:bodyPr wrap="none">
+            <a:spAutoFit/>
+          </a:bodyPr>
+          <a:lstStyle/>
+          <a:p>
+            <a:pPr algn="ctr">
+              <a:defRPr sz="1000" i="1"/>
             </a:pPr>
             <a:r>
-              <a:t>Convolutional Neural Networks (CNNs) for image processing.</a:t>
-            </a:r>
-          </a:p>
-          <a:p>
-            <a:pPr>
-              <a:lnSpc>
-                <a:spcPct val="115000"/>
-              </a:lnSpc>
-              <a:defRPr sz="1800"/>
-            </a:pPr>
-            <a:r>
-              <a:t>Recurrent Neural Networks (RNNs) for sequential data.</a:t>
-            </a:r>
-          </a:p>
-          <a:p>
-            <a:pPr>
-              <a:lnSpc>
-                <a:spcPct val="115000"/>
-              </a:lnSpc>
-              <a:defRPr sz="1800"/>
-            </a:pPr>
-            <a:r>
-              <a:t>Long Short-Term Memory networks (LSTMs) for handling long sequences.</a:t>
-            </a:r>
-          </a:p>
-          <a:p>
-            <a:pPr>
-              <a:lnSpc>
-                <a:spcPct val="115000"/>
-              </a:lnSpc>
-              <a:defRPr sz="1800"/>
-            </a:pPr>
-            <a:r>
-              <a:t>Autoencoders for dimensionality reduction and feature extraction.</a:t>
+              <a:t>architecture neural network</a:t>
             </a:r>
           </a:p>
         </p:txBody>
@@ -7070,7 +7810,7 @@
           <a:lstStyle/>
           <a:p>
             <a:r>
-              <a:t>Training a Neural Network: Backpropagation</a:t>
+              <a:t>Architecture of a Neural Network: Layers and Connections</a:t>
             </a:r>
           </a:p>
         </p:txBody>
@@ -7098,7 +7838,7 @@
               <a:defRPr sz="1800"/>
             </a:pPr>
             <a:r>
-              <a:t>The concept of supervised learning.</a:t>
+              <a:t>Input layer: Receiving data.</a:t>
             </a:r>
           </a:p>
           <a:p>
@@ -7109,7 +7849,7 @@
               <a:defRPr sz="1800"/>
             </a:pPr>
             <a:r>
-              <a:t>The role of cost functions and loss minimization.</a:t>
+              <a:t>Hidden layers: Processing information.</a:t>
             </a:r>
           </a:p>
           <a:p>
@@ -7120,7 +7860,7 @@
               <a:defRPr sz="1800"/>
             </a:pPr>
             <a:r>
-              <a:t>Gradient descent optimization algorithm.</a:t>
+              <a:t>Output layer: Producing results.</a:t>
             </a:r>
           </a:p>
           <a:p>
@@ -7131,7 +7871,7 @@
               <a:defRPr sz="1800"/>
             </a:pPr>
             <a:r>
-              <a:t>Backpropagation algorithm for adjusting weights.</a:t>
+              <a:t>Weights and biases: Adjusting the network's behavior.</a:t>
             </a:r>
           </a:p>
           <a:p>
@@ -7142,7 +7882,7 @@
               <a:defRPr sz="1800"/>
             </a:pPr>
             <a:r>
-              <a:t>Overfitting and regularization techniques.</a:t>
+              <a:t>Activation functions: Introducing non-linearity.</a:t>
             </a:r>
           </a:p>
         </p:txBody>
@@ -7181,7 +7921,7 @@
           <a:lstStyle/>
           <a:p>
             <a:r>
-              <a:t>Applications of Neural Networks</a:t>
+              <a:t>Types of Neural Networks</a:t>
             </a:r>
           </a:p>
         </p:txBody>
@@ -7209,7 +7949,7 @@
               <a:defRPr sz="1800"/>
             </a:pPr>
             <a:r>
-              <a:t>Image recognition and object detection.</a:t>
+              <a:t>Perceptrons: The simplest form.</a:t>
             </a:r>
           </a:p>
           <a:p>
@@ -7220,7 +7960,7 @@
               <a:defRPr sz="1800"/>
             </a:pPr>
             <a:r>
-              <a:t>Natural language processing (NLP).</a:t>
+              <a:t>Multilayer Perceptrons (MLPs): Deeper networks.</a:t>
             </a:r>
           </a:p>
           <a:p>
@@ -7231,7 +7971,7 @@
               <a:defRPr sz="1800"/>
             </a:pPr>
             <a:r>
-              <a:t>Speech recognition and synthesis.</a:t>
+              <a:t>Convolutional Neural Networks (CNNs): For image processing.</a:t>
             </a:r>
           </a:p>
           <a:p>
@@ -7242,7 +7982,7 @@
               <a:defRPr sz="1800"/>
             </a:pPr>
             <a:r>
-              <a:t>Machine translation.</a:t>
+              <a:t>Recurrent Neural Networks (RNNs): For sequential data.</a:t>
             </a:r>
           </a:p>
           <a:p>
@@ -7253,7 +7993,7 @@
               <a:defRPr sz="1800"/>
             </a:pPr>
             <a:r>
-              <a:t>Medical diagnosis and drug discovery.</a:t>
+              <a:t>Long Short-Term Memory (LSTM) networks:  Advanced RNNs for long sequences.</a:t>
             </a:r>
           </a:p>
         </p:txBody>

--- a/output/topic_neural_network.pptx
+++ b/output/topic_neural_network.pptx
@@ -19,10 +19,6 @@
     <p:sldId id="267" r:id="rId17"/>
     <p:sldId id="268" r:id="rId18"/>
     <p:sldId id="269" r:id="rId19"/>
-    <p:sldId id="270" r:id="rId20"/>
-    <p:sldId id="271" r:id="rId21"/>
-    <p:sldId id="272" r:id="rId22"/>
-    <p:sldId id="273" r:id="rId23"/>
   </p:sldIdLst>
   <p:sldSz cx="12192000" cy="6858000"/>
   <p:notesSz cx="6858000" cy="9144000"/>
@@ -6039,86 +6035,93 @@
       <p:grpSpPr/>
       <p:sp>
         <p:nvSpPr>
-          <p:cNvPr id="2" name="TextBox 1"/>
-          <p:cNvSpPr txBox="1"/>
-          <p:nvPr/>
-        </p:nvSpPr>
-        <p:spPr>
-          <a:xfrm>
-            <a:off x="457200" y="457200"/>
-            <a:ext cx="8229600" cy="914400"/>
-          </a:xfrm>
-          <a:prstGeom prst="rect">
-            <a:avLst/>
-          </a:prstGeom>
-          <a:noFill/>
-        </p:spPr>
-        <p:txBody>
-          <a:bodyPr wrap="none">
-            <a:spAutoFit/>
-          </a:bodyPr>
-          <a:lstStyle/>
+          <p:cNvPr id="2" name="Title 1"/>
+          <p:cNvSpPr>
+            <a:spLocks noGrp="1"/>
+          </p:cNvSpPr>
+          <p:nvPr>
+            <p:ph type="title"/>
+          </p:nvPr>
+        </p:nvSpPr>
+        <p:spPr/>
+        <p:txBody>
+          <a:bodyPr/>
+          <a:lstStyle/>
+          <a:p>
+            <a:r>
+              <a:t>Applications of Neural Networks</a:t>
+            </a:r>
+          </a:p>
+        </p:txBody>
+      </p:sp>
+      <p:sp>
+        <p:nvSpPr>
+          <p:cNvPr id="3" name="Content Placeholder 2"/>
+          <p:cNvSpPr>
+            <a:spLocks noGrp="1"/>
+          </p:cNvSpPr>
+          <p:nvPr>
+            <p:ph idx="1"/>
+          </p:nvPr>
+        </p:nvSpPr>
+        <p:spPr/>
+        <p:txBody>
+          <a:bodyPr/>
+          <a:lstStyle/>
+          <a:p/>
           <a:p>
             <a:pPr>
-              <a:defRPr sz="3200" b="1"/>
+              <a:lnSpc>
+                <a:spcPct val="115000"/>
+              </a:lnSpc>
+              <a:defRPr sz="1800"/>
             </a:pPr>
             <a:r>
-              <a:t>Types of Neural Networks - Visual Content</a:t>
-            </a:r>
-          </a:p>
-        </p:txBody>
-      </p:sp>
-      <p:pic>
-        <p:nvPicPr>
-          <p:cNvPr id="3" name="Picture 2" descr="page_6_img_7.jpg"/>
-          <p:cNvPicPr>
-            <a:picLocks noChangeAspect="1"/>
-          </p:cNvPicPr>
-          <p:nvPr/>
-        </p:nvPicPr>
-        <p:blipFill>
-          <a:blip r:embed="rId2"/>
-          <a:stretch>
-            <a:fillRect/>
-          </a:stretch>
-        </p:blipFill>
-        <p:spPr>
-          <a:xfrm>
-            <a:off x="914400" y="1371600"/>
-            <a:ext cx="7315200" cy="4114800"/>
-          </a:xfrm>
-          <a:prstGeom prst="rect">
-            <a:avLst/>
-          </a:prstGeom>
-        </p:spPr>
-      </p:pic>
-      <p:sp>
-        <p:nvSpPr>
-          <p:cNvPr id="4" name="TextBox 3"/>
-          <p:cNvSpPr txBox="1"/>
-          <p:nvPr/>
-        </p:nvSpPr>
-        <p:spPr>
-          <a:xfrm>
-            <a:off x="914400" y="5577840"/>
-            <a:ext cx="7315200" cy="274320"/>
-          </a:xfrm>
-          <a:prstGeom prst="rect">
-            <a:avLst/>
-          </a:prstGeom>
-          <a:noFill/>
-        </p:spPr>
-        <p:txBody>
-          <a:bodyPr wrap="none">
-            <a:spAutoFit/>
-          </a:bodyPr>
-          <a:lstStyle/>
-          <a:p>
-            <a:pPr algn="ctr">
-              <a:defRPr sz="1000" i="1"/>
+              <a:t>Image recognition and object detection.</a:t>
+            </a:r>
+          </a:p>
+          <a:p>
+            <a:pPr>
+              <a:lnSpc>
+                <a:spcPct val="115000"/>
+              </a:lnSpc>
+              <a:defRPr sz="1800"/>
             </a:pPr>
             <a:r>
-              <a:t>training neural network</a:t>
+              <a:t>Natural language processing (NLP) – machine translation, sentiment analysis.</a:t>
+            </a:r>
+          </a:p>
+          <a:p>
+            <a:pPr>
+              <a:lnSpc>
+                <a:spcPct val="115000"/>
+              </a:lnSpc>
+              <a:defRPr sz="1800"/>
+            </a:pPr>
+            <a:r>
+              <a:t>Speech recognition.</a:t>
+            </a:r>
+          </a:p>
+          <a:p>
+            <a:pPr>
+              <a:lnSpc>
+                <a:spcPct val="115000"/>
+              </a:lnSpc>
+              <a:defRPr sz="1800"/>
+            </a:pPr>
+            <a:r>
+              <a:t>Medical diagnosis and drug discovery.</a:t>
+            </a:r>
+          </a:p>
+          <a:p>
+            <a:pPr>
+              <a:lnSpc>
+                <a:spcPct val="115000"/>
+              </a:lnSpc>
+              <a:defRPr sz="1800"/>
+            </a:pPr>
+            <a:r>
+              <a:t>Financial modeling and fraud detection.</a:t>
             </a:r>
           </a:p>
         </p:txBody>
@@ -6157,7 +6160,7 @@
           <a:lstStyle/>
           <a:p>
             <a:r>
-              <a:t>Training a Neural Network: Backpropagation</a:t>
+              <a:t>Limitations and Challenges</a:t>
             </a:r>
           </a:p>
         </p:txBody>
@@ -6185,7 +6188,7 @@
               <a:defRPr sz="1800"/>
             </a:pPr>
             <a:r>
-              <a:t>The concept of supervised learning.</a:t>
+              <a:t>Data dependency and the need for large datasets.</a:t>
             </a:r>
           </a:p>
           <a:p>
@@ -6196,7 +6199,7 @@
               <a:defRPr sz="1800"/>
             </a:pPr>
             <a:r>
-              <a:t>Forward propagation: Calculating the output.</a:t>
+              <a:t>Computational cost and training time.</a:t>
             </a:r>
           </a:p>
           <a:p>
@@ -6207,7 +6210,7 @@
               <a:defRPr sz="1800"/>
             </a:pPr>
             <a:r>
-              <a:t>Backpropagation: Calculating the error.</a:t>
+              <a:t>Interpretability and explainability –</a:t>
             </a:r>
           </a:p>
           <a:p>
@@ -6218,7 +6221,7 @@
               <a:defRPr sz="1800"/>
             </a:pPr>
             <a:r>
-              <a:t>Gradient descent: Adjusting weights and biases.</a:t>
+              <a:t>Overfitting and generalization issues.</a:t>
             </a:r>
           </a:p>
           <a:p>
@@ -6229,7 +6232,7 @@
               <a:defRPr sz="1800"/>
             </a:pPr>
             <a:r>
-              <a:t>Loss functions: Measuring the error.</a:t>
+              <a:t>Bias and fairness concerns.</a:t>
             </a:r>
           </a:p>
         </p:txBody>
@@ -6254,86 +6257,93 @@
       <p:grpSpPr/>
       <p:sp>
         <p:nvSpPr>
-          <p:cNvPr id="2" name="TextBox 1"/>
-          <p:cNvSpPr txBox="1"/>
-          <p:nvPr/>
-        </p:nvSpPr>
-        <p:spPr>
-          <a:xfrm>
-            <a:off x="457200" y="457200"/>
-            <a:ext cx="8229600" cy="914400"/>
-          </a:xfrm>
-          <a:prstGeom prst="rect">
-            <a:avLst/>
-          </a:prstGeom>
-          <a:noFill/>
-        </p:spPr>
-        <p:txBody>
-          <a:bodyPr wrap="none">
-            <a:spAutoFit/>
-          </a:bodyPr>
-          <a:lstStyle/>
+          <p:cNvPr id="2" name="Title 1"/>
+          <p:cNvSpPr>
+            <a:spLocks noGrp="1"/>
+          </p:cNvSpPr>
+          <p:nvPr>
+            <p:ph type="title"/>
+          </p:nvPr>
+        </p:nvSpPr>
+        <p:spPr/>
+        <p:txBody>
+          <a:bodyPr/>
+          <a:lstStyle/>
+          <a:p>
+            <a:r>
+              <a:t>Future Trends in Neural Networks</a:t>
+            </a:r>
+          </a:p>
+        </p:txBody>
+      </p:sp>
+      <p:sp>
+        <p:nvSpPr>
+          <p:cNvPr id="3" name="Content Placeholder 2"/>
+          <p:cNvSpPr>
+            <a:spLocks noGrp="1"/>
+          </p:cNvSpPr>
+          <p:nvPr>
+            <p:ph idx="1"/>
+          </p:nvPr>
+        </p:nvSpPr>
+        <p:spPr/>
+        <p:txBody>
+          <a:bodyPr/>
+          <a:lstStyle/>
+          <a:p/>
           <a:p>
             <a:pPr>
-              <a:defRPr sz="3200" b="1"/>
+              <a:lnSpc>
+                <a:spcPct val="115000"/>
+              </a:lnSpc>
+              <a:defRPr sz="1800"/>
             </a:pPr>
             <a:r>
-              <a:t>Training a Neural Network: Backpropagation - Visual Content</a:t>
-            </a:r>
-          </a:p>
-        </p:txBody>
-      </p:sp>
-      <p:pic>
-        <p:nvPicPr>
-          <p:cNvPr id="3" name="Picture 2" descr="page_7_img_8.jpg"/>
-          <p:cNvPicPr>
-            <a:picLocks noChangeAspect="1"/>
-          </p:cNvPicPr>
-          <p:nvPr/>
-        </p:nvPicPr>
-        <p:blipFill>
-          <a:blip r:embed="rId2"/>
-          <a:stretch>
-            <a:fillRect/>
-          </a:stretch>
-        </p:blipFill>
-        <p:spPr>
-          <a:xfrm>
-            <a:off x="914400" y="1371600"/>
-            <a:ext cx="7315200" cy="4114800"/>
-          </a:xfrm>
-          <a:prstGeom prst="rect">
-            <a:avLst/>
-          </a:prstGeom>
-        </p:spPr>
-      </p:pic>
-      <p:sp>
-        <p:nvSpPr>
-          <p:cNvPr id="4" name="TextBox 3"/>
-          <p:cNvSpPr txBox="1"/>
-          <p:nvPr/>
-        </p:nvSpPr>
-        <p:spPr>
-          <a:xfrm>
-            <a:off x="914400" y="5577840"/>
-            <a:ext cx="7315200" cy="274320"/>
-          </a:xfrm>
-          <a:prstGeom prst="rect">
-            <a:avLst/>
-          </a:prstGeom>
-          <a:noFill/>
-        </p:spPr>
-        <p:txBody>
-          <a:bodyPr wrap="none">
-            <a:spAutoFit/>
-          </a:bodyPr>
-          <a:lstStyle/>
-          <a:p>
-            <a:pPr algn="ctr">
-              <a:defRPr sz="1000" i="1"/>
+              <a:t>Spiking Neural Networks (SNNs)</a:t>
+            </a:r>
+          </a:p>
+          <a:p>
+            <a:pPr>
+              <a:lnSpc>
+                <a:spcPct val="115000"/>
+              </a:lnSpc>
+              <a:defRPr sz="1800"/>
             </a:pPr>
             <a:r>
-              <a:t>applications neural networks</a:t>
+              <a:t>Neuromorphic computing.</a:t>
+            </a:r>
+          </a:p>
+          <a:p>
+            <a:pPr>
+              <a:lnSpc>
+                <a:spcPct val="115000"/>
+              </a:lnSpc>
+              <a:defRPr sz="1800"/>
+            </a:pPr>
+            <a:r>
+              <a:t>Quantum neural networks.</a:t>
+            </a:r>
+          </a:p>
+          <a:p>
+            <a:pPr>
+              <a:lnSpc>
+                <a:spcPct val="115000"/>
+              </a:lnSpc>
+              <a:defRPr sz="1800"/>
+            </a:pPr>
+            <a:r>
+              <a:t>Explainable AI (XAI) for neural networks.</a:t>
+            </a:r>
+          </a:p>
+          <a:p>
+            <a:pPr>
+              <a:lnSpc>
+                <a:spcPct val="115000"/>
+              </a:lnSpc>
+              <a:defRPr sz="1800"/>
+            </a:pPr>
+            <a:r>
+              <a:t>Edge computing and on-device neural networks.</a:t>
             </a:r>
           </a:p>
         </p:txBody>
@@ -6372,7 +6382,7 @@
           <a:lstStyle/>
           <a:p>
             <a:r>
-              <a:t>Applications of Neural Networks</a:t>
+              <a:t>Conclusion: Key Takeaways and Future Directions</a:t>
             </a:r>
           </a:p>
         </p:txBody>
@@ -6400,7 +6410,7 @@
               <a:defRPr sz="1800"/>
             </a:pPr>
             <a:r>
-              <a:t>Image recognition and classification.</a:t>
+              <a:t>Summary of key concepts covered.</a:t>
             </a:r>
           </a:p>
           <a:p>
@@ -6411,7 +6421,7 @@
               <a:defRPr sz="1800"/>
             </a:pPr>
             <a:r>
-              <a:t>Natural language processing (NLP).</a:t>
+              <a:t>Recap of the different types and applications.</a:t>
             </a:r>
           </a:p>
           <a:p>
@@ -6422,7 +6432,7 @@
               <a:defRPr sz="1800"/>
             </a:pPr>
             <a:r>
-              <a:t>Speech recognition.</a:t>
+              <a:t>Discussion of the limitations and future research directions.</a:t>
             </a:r>
           </a:p>
           <a:p>
@@ -6433,18 +6443,7 @@
               <a:defRPr sz="1800"/>
             </a:pPr>
             <a:r>
-              <a:t>Self-driving cars.</a:t>
-            </a:r>
-          </a:p>
-          <a:p>
-            <a:pPr>
-              <a:lnSpc>
-                <a:spcPct val="115000"/>
-              </a:lnSpc>
-              <a:defRPr sz="1800"/>
-            </a:pPr>
-            <a:r>
-              <a:t>Medical diagnosis.</a:t>
+              <a:t>Call to action – further exploration and learning.</a:t>
             </a:r>
           </a:p>
         </p:txBody>
@@ -6469,339 +6468,6 @@
       <p:grpSpPr/>
       <p:sp>
         <p:nvSpPr>
-          <p:cNvPr id="2" name="Title 1"/>
-          <p:cNvSpPr>
-            <a:spLocks noGrp="1"/>
-          </p:cNvSpPr>
-          <p:nvPr>
-            <p:ph type="title"/>
-          </p:nvPr>
-        </p:nvSpPr>
-        <p:spPr/>
-        <p:txBody>
-          <a:bodyPr/>
-          <a:lstStyle/>
-          <a:p>
-            <a:r>
-              <a:t>Advantages and Disadvantages of Neural Networks</a:t>
-            </a:r>
-          </a:p>
-        </p:txBody>
-      </p:sp>
-      <p:sp>
-        <p:nvSpPr>
-          <p:cNvPr id="3" name="Content Placeholder 2"/>
-          <p:cNvSpPr>
-            <a:spLocks noGrp="1"/>
-          </p:cNvSpPr>
-          <p:nvPr>
-            <p:ph idx="1"/>
-          </p:nvPr>
-        </p:nvSpPr>
-        <p:spPr/>
-        <p:txBody>
-          <a:bodyPr/>
-          <a:lstStyle/>
-          <a:p/>
-          <a:p>
-            <a:pPr>
-              <a:lnSpc>
-                <a:spcPct val="115000"/>
-              </a:lnSpc>
-              <a:defRPr sz="1800"/>
-            </a:pPr>
-            <a:r>
-              <a:t>Advantages: Powerful pattern recognition, adaptability, scalability.</a:t>
-            </a:r>
-          </a:p>
-          <a:p>
-            <a:pPr>
-              <a:lnSpc>
-                <a:spcPct val="115000"/>
-              </a:lnSpc>
-              <a:defRPr sz="1800"/>
-            </a:pPr>
-            <a:r>
-              <a:t>Disadvantages: Black box nature, data dependency, computational cost, overfitting.</a:t>
-            </a:r>
-          </a:p>
-          <a:p>
-            <a:pPr>
-              <a:lnSpc>
-                <a:spcPct val="115000"/>
-              </a:lnSpc>
-              <a:defRPr sz="1800"/>
-            </a:pPr>
-            <a:r>
-              <a:t>Addressing limitations through techniques like regularization and dropout.</a:t>
-            </a:r>
-          </a:p>
-          <a:p>
-            <a:pPr>
-              <a:lnSpc>
-                <a:spcPct val="115000"/>
-              </a:lnSpc>
-              <a:defRPr sz="1800"/>
-            </a:pPr>
-            <a:r>
-              <a:t>The need for large datasets.</a:t>
-            </a:r>
-          </a:p>
-          <a:p>
-            <a:pPr>
-              <a:lnSpc>
-                <a:spcPct val="115000"/>
-              </a:lnSpc>
-              <a:defRPr sz="1800"/>
-            </a:pPr>
-            <a:r>
-              <a:t>Computational resource requirements.</a:t>
-            </a:r>
-          </a:p>
-        </p:txBody>
-      </p:sp>
-    </p:spTree>
-  </p:cSld>
-  <p:clrMapOvr>
-    <a:masterClrMapping/>
-  </p:clrMapOvr>
-</p:sld>
-</file>
-
-<file path=ppt/slides/slide15.xml><?xml version="1.0" encoding="utf-8"?>
-<p:sld xmlns:a="http://schemas.openxmlformats.org/drawingml/2006/main" xmlns:p="http://schemas.openxmlformats.org/presentationml/2006/main" xmlns:r="http://schemas.openxmlformats.org/officeDocument/2006/relationships">
-  <p:cSld>
-    <p:spTree>
-      <p:nvGrpSpPr>
-        <p:cNvPr id="1" name=""/>
-        <p:cNvGrpSpPr/>
-        <p:nvPr/>
-      </p:nvGrpSpPr>
-      <p:grpSpPr/>
-      <p:sp>
-        <p:nvSpPr>
-          <p:cNvPr id="2" name="Title 1"/>
-          <p:cNvSpPr>
-            <a:spLocks noGrp="1"/>
-          </p:cNvSpPr>
-          <p:nvPr>
-            <p:ph type="title"/>
-          </p:nvPr>
-        </p:nvSpPr>
-        <p:spPr/>
-        <p:txBody>
-          <a:bodyPr/>
-          <a:lstStyle/>
-          <a:p>
-            <a:r>
-              <a:t>The Future of Neural Networks</a:t>
-            </a:r>
-          </a:p>
-        </p:txBody>
-      </p:sp>
-      <p:sp>
-        <p:nvSpPr>
-          <p:cNvPr id="3" name="Content Placeholder 2"/>
-          <p:cNvSpPr>
-            <a:spLocks noGrp="1"/>
-          </p:cNvSpPr>
-          <p:nvPr>
-            <p:ph idx="1"/>
-          </p:nvPr>
-        </p:nvSpPr>
-        <p:spPr/>
-        <p:txBody>
-          <a:bodyPr/>
-          <a:lstStyle/>
-          <a:p/>
-          <a:p>
-            <a:pPr>
-              <a:lnSpc>
-                <a:spcPct val="115000"/>
-              </a:lnSpc>
-              <a:defRPr sz="1800"/>
-            </a:pPr>
-            <a:r>
-              <a:t>Advancements in deep learning.</a:t>
-            </a:r>
-          </a:p>
-          <a:p>
-            <a:pPr>
-              <a:lnSpc>
-                <a:spcPct val="115000"/>
-              </a:lnSpc>
-              <a:defRPr sz="1800"/>
-            </a:pPr>
-            <a:r>
-              <a:t>New architectures and algorithms.</a:t>
-            </a:r>
-          </a:p>
-          <a:p>
-            <a:pPr>
-              <a:lnSpc>
-                <a:spcPct val="115000"/>
-              </a:lnSpc>
-              <a:defRPr sz="1800"/>
-            </a:pPr>
-            <a:r>
-              <a:t>Ethical considerations and responsible AI.</a:t>
-            </a:r>
-          </a:p>
-          <a:p>
-            <a:pPr>
-              <a:lnSpc>
-                <a:spcPct val="115000"/>
-              </a:lnSpc>
-              <a:defRPr sz="1800"/>
-            </a:pPr>
-            <a:r>
-              <a:t>Potential breakthroughs in various fields.</a:t>
-            </a:r>
-          </a:p>
-          <a:p>
-            <a:pPr>
-              <a:lnSpc>
-                <a:spcPct val="115000"/>
-              </a:lnSpc>
-              <a:defRPr sz="1800"/>
-            </a:pPr>
-            <a:r>
-              <a:t>Ongoing research and development.</a:t>
-            </a:r>
-          </a:p>
-        </p:txBody>
-      </p:sp>
-    </p:spTree>
-  </p:cSld>
-  <p:clrMapOvr>
-    <a:masterClrMapping/>
-  </p:clrMapOvr>
-</p:sld>
-</file>
-
-<file path=ppt/slides/slide16.xml><?xml version="1.0" encoding="utf-8"?>
-<p:sld xmlns:a="http://schemas.openxmlformats.org/drawingml/2006/main" xmlns:p="http://schemas.openxmlformats.org/presentationml/2006/main" xmlns:r="http://schemas.openxmlformats.org/officeDocument/2006/relationships">
-  <p:cSld>
-    <p:spTree>
-      <p:nvGrpSpPr>
-        <p:cNvPr id="1" name=""/>
-        <p:cNvGrpSpPr/>
-        <p:nvPr/>
-      </p:nvGrpSpPr>
-      <p:grpSpPr/>
-      <p:sp>
-        <p:nvSpPr>
-          <p:cNvPr id="2" name="Title 1"/>
-          <p:cNvSpPr>
-            <a:spLocks noGrp="1"/>
-          </p:cNvSpPr>
-          <p:nvPr>
-            <p:ph type="title"/>
-          </p:nvPr>
-        </p:nvSpPr>
-        <p:spPr/>
-        <p:txBody>
-          <a:bodyPr/>
-          <a:lstStyle/>
-          <a:p>
-            <a:r>
-              <a:t>Conclusion: Key Takeaways and Future Directions</a:t>
-            </a:r>
-          </a:p>
-        </p:txBody>
-      </p:sp>
-      <p:sp>
-        <p:nvSpPr>
-          <p:cNvPr id="3" name="Content Placeholder 2"/>
-          <p:cNvSpPr>
-            <a:spLocks noGrp="1"/>
-          </p:cNvSpPr>
-          <p:nvPr>
-            <p:ph idx="1"/>
-          </p:nvPr>
-        </p:nvSpPr>
-        <p:spPr/>
-        <p:txBody>
-          <a:bodyPr/>
-          <a:lstStyle/>
-          <a:p/>
-          <a:p>
-            <a:pPr>
-              <a:lnSpc>
-                <a:spcPct val="115000"/>
-              </a:lnSpc>
-              <a:defRPr sz="1800"/>
-            </a:pPr>
-            <a:r>
-              <a:t>Summary of key concepts covered.</a:t>
-            </a:r>
-          </a:p>
-          <a:p>
-            <a:pPr>
-              <a:lnSpc>
-                <a:spcPct val="115000"/>
-              </a:lnSpc>
-              <a:defRPr sz="1800"/>
-            </a:pPr>
-            <a:r>
-              <a:t>Recap of the advantages and limitations.</a:t>
-            </a:r>
-          </a:p>
-          <a:p>
-            <a:pPr>
-              <a:lnSpc>
-                <a:spcPct val="115000"/>
-              </a:lnSpc>
-              <a:defRPr sz="1800"/>
-            </a:pPr>
-            <a:r>
-              <a:t>Emphasis on the transformative potential of neural networks.</a:t>
-            </a:r>
-          </a:p>
-          <a:p>
-            <a:pPr>
-              <a:lnSpc>
-                <a:spcPct val="115000"/>
-              </a:lnSpc>
-              <a:defRPr sz="1800"/>
-            </a:pPr>
-            <a:r>
-              <a:t>Call to action: Further exploration and learning.</a:t>
-            </a:r>
-          </a:p>
-          <a:p>
-            <a:pPr>
-              <a:lnSpc>
-                <a:spcPct val="115000"/>
-              </a:lnSpc>
-              <a:defRPr sz="1800"/>
-            </a:pPr>
-            <a:r>
-              <a:t>Q&amp;A session.</a:t>
-            </a:r>
-          </a:p>
-        </p:txBody>
-      </p:sp>
-    </p:spTree>
-  </p:cSld>
-  <p:clrMapOvr>
-    <a:masterClrMapping/>
-  </p:clrMapOvr>
-</p:sld>
-</file>
-
-<file path=ppt/slides/slide17.xml><?xml version="1.0" encoding="utf-8"?>
-<p:sld xmlns:a="http://schemas.openxmlformats.org/drawingml/2006/main" xmlns:p="http://schemas.openxmlformats.org/presentationml/2006/main" xmlns:r="http://schemas.openxmlformats.org/officeDocument/2006/relationships">
-  <p:cSld>
-    <p:spTree>
-      <p:nvGrpSpPr>
-        <p:cNvPr id="1" name=""/>
-        <p:cNvGrpSpPr/>
-        <p:nvPr/>
-      </p:nvGrpSpPr>
-      <p:grpSpPr/>
-      <p:sp>
-        <p:nvSpPr>
           <p:cNvPr id="2" name="TextBox 1"/>
           <p:cNvSpPr txBox="1"/>
           <p:nvPr/>
@@ -6826,7 +6492,7 @@
               <a:defRPr sz="3200" b="1"/>
             </a:pPr>
             <a:r>
-              <a:t>Additional Images - Part 1</a:t>
+              <a:t>Index - Additional Visual Content</a:t>
             </a:r>
           </a:p>
         </p:txBody>
@@ -6881,21 +6547,21 @@
               <a:defRPr sz="1000" i="1"/>
             </a:pPr>
             <a:r>
-              <a:t>neural networks</a:t>
+              <a:t>Introduction to Neural Networks</a:t>
             </a:r>
           </a:p>
         </p:txBody>
       </p:sp>
       <p:pic>
         <p:nvPicPr>
-          <p:cNvPr id="5" name="Picture 4" descr="page_1_img_2.jpg"/>
+          <p:cNvPr id="5" name="Picture 4" descr="page_1_img_1.jpg"/>
           <p:cNvPicPr>
             <a:picLocks noChangeAspect="1"/>
           </p:cNvPicPr>
           <p:nvPr/>
         </p:nvPicPr>
         <p:blipFill>
-          <a:blip r:embed="rId3"/>
+          <a:blip r:embed="rId2"/>
           <a:stretch>
             <a:fillRect/>
           </a:stretch>
@@ -6936,166 +6602,7 @@
               <a:defRPr sz="1000" i="1"/>
             </a:pPr>
             <a:r>
-              <a:t>neural networks</a:t>
-            </a:r>
-          </a:p>
-        </p:txBody>
-      </p:sp>
-    </p:spTree>
-  </p:cSld>
-  <p:clrMapOvr>
-    <a:masterClrMapping/>
-  </p:clrMapOvr>
-</p:sld>
-</file>
-
-<file path=ppt/slides/slide18.xml><?xml version="1.0" encoding="utf-8"?>
-<p:sld xmlns:a="http://schemas.openxmlformats.org/drawingml/2006/main" xmlns:p="http://schemas.openxmlformats.org/presentationml/2006/main" xmlns:r="http://schemas.openxmlformats.org/officeDocument/2006/relationships">
-  <p:cSld>
-    <p:spTree>
-      <p:nvGrpSpPr>
-        <p:cNvPr id="1" name=""/>
-        <p:cNvGrpSpPr/>
-        <p:nvPr/>
-      </p:nvGrpSpPr>
-      <p:grpSpPr/>
-      <p:sp>
-        <p:nvSpPr>
-          <p:cNvPr id="2" name="TextBox 1"/>
-          <p:cNvSpPr txBox="1"/>
-          <p:nvPr/>
-        </p:nvSpPr>
-        <p:spPr>
-          <a:xfrm>
-            <a:off x="457200" y="457200"/>
-            <a:ext cx="8229600" cy="914400"/>
-          </a:xfrm>
-          <a:prstGeom prst="rect">
-            <a:avLst/>
-          </a:prstGeom>
-          <a:noFill/>
-        </p:spPr>
-        <p:txBody>
-          <a:bodyPr wrap="none">
-            <a:spAutoFit/>
-          </a:bodyPr>
-          <a:lstStyle/>
-          <a:p>
-            <a:pPr>
-              <a:defRPr sz="3200" b="1"/>
-            </a:pPr>
-            <a:r>
-              <a:t>Additional Images - Part 2</a:t>
-            </a:r>
-          </a:p>
-        </p:txBody>
-      </p:sp>
-      <p:pic>
-        <p:nvPicPr>
-          <p:cNvPr id="3" name="Picture 2" descr="page_1_img_2.jpg"/>
-          <p:cNvPicPr>
-            <a:picLocks noChangeAspect="1"/>
-          </p:cNvPicPr>
-          <p:nvPr/>
-        </p:nvPicPr>
-        <p:blipFill>
-          <a:blip r:embed="rId2"/>
-          <a:stretch>
-            <a:fillRect/>
-          </a:stretch>
-        </p:blipFill>
-        <p:spPr>
-          <a:xfrm>
-            <a:off x="914400" y="1371600"/>
-            <a:ext cx="3657600" cy="2743200"/>
-          </a:xfrm>
-          <a:prstGeom prst="rect">
-            <a:avLst/>
-          </a:prstGeom>
-        </p:spPr>
-      </p:pic>
-      <p:sp>
-        <p:nvSpPr>
-          <p:cNvPr id="4" name="TextBox 3"/>
-          <p:cNvSpPr txBox="1"/>
-          <p:nvPr/>
-        </p:nvSpPr>
-        <p:spPr>
-          <a:xfrm>
-            <a:off x="914400" y="4206240"/>
-            <a:ext cx="3657600" cy="274320"/>
-          </a:xfrm>
-          <a:prstGeom prst="rect">
-            <a:avLst/>
-          </a:prstGeom>
-          <a:noFill/>
-        </p:spPr>
-        <p:txBody>
-          <a:bodyPr wrap="none">
-            <a:spAutoFit/>
-          </a:bodyPr>
-          <a:lstStyle/>
-          <a:p>
-            <a:pPr algn="ctr">
-              <a:defRPr sz="1000" i="1"/>
-            </a:pPr>
-            <a:r>
-              <a:t>introduction neural networks</a:t>
-            </a:r>
-          </a:p>
-        </p:txBody>
-      </p:sp>
-      <p:pic>
-        <p:nvPicPr>
-          <p:cNvPr id="5" name="Picture 4" descr="page_2_img_4.jpg"/>
-          <p:cNvPicPr>
-            <a:picLocks noChangeAspect="1"/>
-          </p:cNvPicPr>
-          <p:nvPr/>
-        </p:nvPicPr>
-        <p:blipFill>
-          <a:blip r:embed="rId3"/>
-          <a:stretch>
-            <a:fillRect/>
-          </a:stretch>
-        </p:blipFill>
-        <p:spPr>
-          <a:xfrm>
-            <a:off x="5029200" y="1371600"/>
-            <a:ext cx="3657600" cy="2743200"/>
-          </a:xfrm>
-          <a:prstGeom prst="rect">
-            <a:avLst/>
-          </a:prstGeom>
-        </p:spPr>
-      </p:pic>
-      <p:sp>
-        <p:nvSpPr>
-          <p:cNvPr id="6" name="TextBox 5"/>
-          <p:cNvSpPr txBox="1"/>
-          <p:nvPr/>
-        </p:nvSpPr>
-        <p:spPr>
-          <a:xfrm>
-            <a:off x="5029200" y="4206240"/>
-            <a:ext cx="3657600" cy="274320"/>
-          </a:xfrm>
-          <a:prstGeom prst="rect">
-            <a:avLst/>
-          </a:prstGeom>
-          <a:noFill/>
-        </p:spPr>
-        <p:txBody>
-          <a:bodyPr wrap="none">
-            <a:spAutoFit/>
-          </a:bodyPr>
-          <a:lstStyle/>
-          <a:p>
-            <a:pPr algn="ctr">
-              <a:defRPr sz="1000" i="1"/>
-            </a:pPr>
-            <a:r>
-              <a:t>introduction neural networks</a:t>
+              <a:t>to Neural</a:t>
             </a:r>
           </a:p>
         </p:txBody>
@@ -7264,7 +6771,7 @@
               <a:defRPr sz="1800"/>
             </a:pPr>
             <a:r>
-              <a:t>2. The Biological Inspiration: Neurons and Synapses</a:t>
+              <a:t>2. Biological Inspiration and Artificial Neurons</a:t>
             </a:r>
           </a:p>
           <a:p>
@@ -7275,7 +6782,7 @@
               <a:defRPr sz="1800"/>
             </a:pPr>
             <a:r>
-              <a:t>3. Architecture of a Neural Network: Layers and Connections</a:t>
+              <a:t>3. Types of Neural Networks</a:t>
             </a:r>
           </a:p>
           <a:p>
@@ -7286,7 +6793,7 @@
               <a:defRPr sz="1800"/>
             </a:pPr>
             <a:r>
-              <a:t>4. Types of Neural Networks</a:t>
+              <a:t>4. The Learning Process: Backpropagation</a:t>
             </a:r>
           </a:p>
           <a:p>
@@ -7297,7 +6804,7 @@
               <a:defRPr sz="1800"/>
             </a:pPr>
             <a:r>
-              <a:t>5. Training a Neural Network: Backpropagation</a:t>
+              <a:t>5. Training and Optimization</a:t>
             </a:r>
           </a:p>
           <a:p>
@@ -7319,7 +6826,7 @@
               <a:defRPr sz="1800"/>
             </a:pPr>
             <a:r>
-              <a:t>7. Advantages and Disadvantages of Neural Networks</a:t>
+              <a:t>7. Limitations and Challenges</a:t>
             </a:r>
           </a:p>
           <a:p>
@@ -7330,7 +6837,7 @@
               <a:defRPr sz="1800"/>
             </a:pPr>
             <a:r>
-              <a:t>8. The Future of Neural Networks</a:t>
+              <a:t>8. Future Trends in Neural Networks</a:t>
             </a:r>
           </a:p>
           <a:p>
@@ -7430,7 +6937,7 @@
               <a:defRPr sz="1800"/>
             </a:pPr>
             <a:r>
-              <a:t>The concept of artificial intelligence and machine learning.</a:t>
+              <a:t>The core concept of interconnected nodes (neurons).</a:t>
             </a:r>
           </a:p>
           <a:p>
@@ -7441,7 +6948,7 @@
               <a:defRPr sz="1800"/>
             </a:pPr>
             <a:r>
-              <a:t>Neural networks as a subset of machine learning.</a:t>
+              <a:t>Neural networks as function approximators.</a:t>
             </a:r>
           </a:p>
           <a:p>
@@ -7452,7 +6959,7 @@
               <a:defRPr sz="1800"/>
             </a:pPr>
             <a:r>
-              <a:t>Simple analogy to explain the basic function.</a:t>
+              <a:t>Distinguishing characteristics from other machine learning models.</a:t>
             </a:r>
           </a:p>
         </p:txBody>
@@ -7508,7 +7015,7 @@
       </p:sp>
       <p:pic>
         <p:nvPicPr>
-          <p:cNvPr id="3" name="Picture 2" descr="page_3_img_5.jpg"/>
+          <p:cNvPr id="3" name="Picture 2" descr="page_3_img_3.jpg"/>
           <p:cNvPicPr>
             <a:picLocks noChangeAspect="1"/>
           </p:cNvPicPr>
@@ -7556,7 +7063,7 @@
               <a:defRPr sz="1000" i="1"/>
             </a:pPr>
             <a:r>
-              <a:t>biological inspiration</a:t>
+              <a:t>Neural Networks</a:t>
             </a:r>
           </a:p>
         </p:txBody>
@@ -7595,7 +7102,7 @@
           <a:lstStyle/>
           <a:p>
             <a:r>
-              <a:t>The Biological Inspiration: Neurons and Synapses</a:t>
+              <a:t>Biological Inspiration and Artificial Neurons</a:t>
             </a:r>
           </a:p>
         </p:txBody>
@@ -7623,7 +7130,7 @@
               <a:defRPr sz="1800"/>
             </a:pPr>
             <a:r>
-              <a:t>Biological neurons and their function.</a:t>
+              <a:t>The biological neuron as a model.</a:t>
             </a:r>
           </a:p>
           <a:p>
@@ -7634,7 +7141,7 @@
               <a:defRPr sz="1800"/>
             </a:pPr>
             <a:r>
-              <a:t>Synapses and signal transmission.</a:t>
+              <a:t>Structure of an artificial neuron: inputs, weights, activation function, output.</a:t>
             </a:r>
           </a:p>
           <a:p>
@@ -7645,7 +7152,7 @@
               <a:defRPr sz="1800"/>
             </a:pPr>
             <a:r>
-              <a:t>The connection to artificial neural networks.</a:t>
+              <a:t>Common activation functions (sigmoid, ReLU, tanh).</a:t>
             </a:r>
           </a:p>
           <a:p>
@@ -7656,7 +7163,7 @@
               <a:defRPr sz="1800"/>
             </a:pPr>
             <a:r>
-              <a:t>How the brain's parallel processing inspires NN design.</a:t>
+              <a:t>The role of weights and biases in learning.</a:t>
             </a:r>
           </a:p>
           <a:p>
@@ -7667,7 +7174,7 @@
               <a:defRPr sz="1800"/>
             </a:pPr>
             <a:r>
-              <a:t>Limitations of the biological analogy.</a:t>
+              <a:t>Understanding the concept of weighted sums.</a:t>
             </a:r>
           </a:p>
         </p:txBody>
@@ -7692,86 +7199,93 @@
       <p:grpSpPr/>
       <p:sp>
         <p:nvSpPr>
-          <p:cNvPr id="2" name="TextBox 1"/>
-          <p:cNvSpPr txBox="1"/>
-          <p:nvPr/>
-        </p:nvSpPr>
-        <p:spPr>
-          <a:xfrm>
-            <a:off x="457200" y="457200"/>
-            <a:ext cx="8229600" cy="914400"/>
-          </a:xfrm>
-          <a:prstGeom prst="rect">
-            <a:avLst/>
-          </a:prstGeom>
-          <a:noFill/>
-        </p:spPr>
-        <p:txBody>
-          <a:bodyPr wrap="none">
-            <a:spAutoFit/>
-          </a:bodyPr>
-          <a:lstStyle/>
+          <p:cNvPr id="2" name="Title 1"/>
+          <p:cNvSpPr>
+            <a:spLocks noGrp="1"/>
+          </p:cNvSpPr>
+          <p:nvPr>
+            <p:ph type="title"/>
+          </p:nvPr>
+        </p:nvSpPr>
+        <p:spPr/>
+        <p:txBody>
+          <a:bodyPr/>
+          <a:lstStyle/>
+          <a:p>
+            <a:r>
+              <a:t>Types of Neural Networks</a:t>
+            </a:r>
+          </a:p>
+        </p:txBody>
+      </p:sp>
+      <p:sp>
+        <p:nvSpPr>
+          <p:cNvPr id="3" name="Content Placeholder 2"/>
+          <p:cNvSpPr>
+            <a:spLocks noGrp="1"/>
+          </p:cNvSpPr>
+          <p:nvPr>
+            <p:ph idx="1"/>
+          </p:nvPr>
+        </p:nvSpPr>
+        <p:spPr/>
+        <p:txBody>
+          <a:bodyPr/>
+          <a:lstStyle/>
+          <a:p/>
           <a:p>
             <a:pPr>
-              <a:defRPr sz="3200" b="1"/>
+              <a:lnSpc>
+                <a:spcPct val="115000"/>
+              </a:lnSpc>
+              <a:defRPr sz="1800"/>
             </a:pPr>
             <a:r>
-              <a:t>The Biological Inspiration: Neurons and Synapses - Visual Content</a:t>
-            </a:r>
-          </a:p>
-        </p:txBody>
-      </p:sp>
-      <p:pic>
-        <p:nvPicPr>
-          <p:cNvPr id="3" name="Picture 2" descr="page_4_img_6.jpg"/>
-          <p:cNvPicPr>
-            <a:picLocks noChangeAspect="1"/>
-          </p:cNvPicPr>
-          <p:nvPr/>
-        </p:nvPicPr>
-        <p:blipFill>
-          <a:blip r:embed="rId2"/>
-          <a:stretch>
-            <a:fillRect/>
-          </a:stretch>
-        </p:blipFill>
-        <p:spPr>
-          <a:xfrm>
-            <a:off x="914400" y="1371600"/>
-            <a:ext cx="7315200" cy="4114800"/>
-          </a:xfrm>
-          <a:prstGeom prst="rect">
-            <a:avLst/>
-          </a:prstGeom>
-        </p:spPr>
-      </p:pic>
-      <p:sp>
-        <p:nvSpPr>
-          <p:cNvPr id="4" name="TextBox 3"/>
-          <p:cNvSpPr txBox="1"/>
-          <p:nvPr/>
-        </p:nvSpPr>
-        <p:spPr>
-          <a:xfrm>
-            <a:off x="914400" y="5577840"/>
-            <a:ext cx="7315200" cy="274320"/>
-          </a:xfrm>
-          <a:prstGeom prst="rect">
-            <a:avLst/>
-          </a:prstGeom>
-          <a:noFill/>
-        </p:spPr>
-        <p:txBody>
-          <a:bodyPr wrap="none">
-            <a:spAutoFit/>
-          </a:bodyPr>
-          <a:lstStyle/>
-          <a:p>
-            <a:pPr algn="ctr">
-              <a:defRPr sz="1000" i="1"/>
+              <a:t>Feedforward Neural Networks (FNNs)</a:t>
+            </a:r>
+          </a:p>
+          <a:p>
+            <a:pPr>
+              <a:lnSpc>
+                <a:spcPct val="115000"/>
+              </a:lnSpc>
+              <a:defRPr sz="1800"/>
             </a:pPr>
             <a:r>
-              <a:t>architecture neural network</a:t>
+              <a:t>Convolutional Neural Networks (CNNs) – Image processing</a:t>
+            </a:r>
+          </a:p>
+          <a:p>
+            <a:pPr>
+              <a:lnSpc>
+                <a:spcPct val="115000"/>
+              </a:lnSpc>
+              <a:defRPr sz="1800"/>
+            </a:pPr>
+            <a:r>
+              <a:t>Recurrent Neural Networks (RNNs) – Sequential data</a:t>
+            </a:r>
+          </a:p>
+          <a:p>
+            <a:pPr>
+              <a:lnSpc>
+                <a:spcPct val="115000"/>
+              </a:lnSpc>
+              <a:defRPr sz="1800"/>
+            </a:pPr>
+            <a:r>
+              <a:t>Long Short-Term Memory networks (LSTMs) – Handling long sequences</a:t>
+            </a:r>
+          </a:p>
+          <a:p>
+            <a:pPr>
+              <a:lnSpc>
+                <a:spcPct val="115000"/>
+              </a:lnSpc>
+              <a:defRPr sz="1800"/>
+            </a:pPr>
+            <a:r>
+              <a:t>Autoencoders – Dimensionality reduction and feature extraction</a:t>
             </a:r>
           </a:p>
         </p:txBody>
@@ -7810,7 +7324,7 @@
           <a:lstStyle/>
           <a:p>
             <a:r>
-              <a:t>Architecture of a Neural Network: Layers and Connections</a:t>
+              <a:t>The Learning Process: Backpropagation</a:t>
             </a:r>
           </a:p>
         </p:txBody>
@@ -7838,7 +7352,7 @@
               <a:defRPr sz="1800"/>
             </a:pPr>
             <a:r>
-              <a:t>Input layer: Receiving data.</a:t>
+              <a:t>The concept of loss functions (MSE, cross-entropy).</a:t>
             </a:r>
           </a:p>
           <a:p>
@@ -7849,7 +7363,7 @@
               <a:defRPr sz="1800"/>
             </a:pPr>
             <a:r>
-              <a:t>Hidden layers: Processing information.</a:t>
+              <a:t>Gradient descent and its variants (SGD, Adam).</a:t>
             </a:r>
           </a:p>
           <a:p>
@@ -7860,7 +7374,7 @@
               <a:defRPr sz="1800"/>
             </a:pPr>
             <a:r>
-              <a:t>Output layer: Producing results.</a:t>
+              <a:t>Chain rule and backpropagation algorithm.</a:t>
             </a:r>
           </a:p>
           <a:p>
@@ -7871,7 +7385,7 @@
               <a:defRPr sz="1800"/>
             </a:pPr>
             <a:r>
-              <a:t>Weights and biases: Adjusting the network's behavior.</a:t>
+              <a:t>Updating weights and biases based on error.</a:t>
             </a:r>
           </a:p>
           <a:p>
@@ -7882,7 +7396,7 @@
               <a:defRPr sz="1800"/>
             </a:pPr>
             <a:r>
-              <a:t>Activation functions: Introducing non-linearity.</a:t>
+              <a:t>Iterative nature of the learning process.</a:t>
             </a:r>
           </a:p>
         </p:txBody>
@@ -7921,7 +7435,7 @@
           <a:lstStyle/>
           <a:p>
             <a:r>
-              <a:t>Types of Neural Networks</a:t>
+              <a:t>Training and Optimization</a:t>
             </a:r>
           </a:p>
         </p:txBody>
@@ -7949,7 +7463,7 @@
               <a:defRPr sz="1800"/>
             </a:pPr>
             <a:r>
-              <a:t>Perceptrons: The simplest form.</a:t>
+              <a:t>Data preprocessing and feature engineering.</a:t>
             </a:r>
           </a:p>
           <a:p>
@@ -7960,7 +7474,7 @@
               <a:defRPr sz="1800"/>
             </a:pPr>
             <a:r>
-              <a:t>Multilayer Perceptrons (MLPs): Deeper networks.</a:t>
+              <a:t>Overfitting and underfitting – regularization techniques (dropout, L1/L2).</a:t>
             </a:r>
           </a:p>
           <a:p>
@@ -7971,7 +7485,7 @@
               <a:defRPr sz="1800"/>
             </a:pPr>
             <a:r>
-              <a:t>Convolutional Neural Networks (CNNs): For image processing.</a:t>
+              <a:t>Hyperparameter tuning (learning rate, batch size, number of layers).</a:t>
             </a:r>
           </a:p>
           <a:p>
@@ -7982,7 +7496,7 @@
               <a:defRPr sz="1800"/>
             </a:pPr>
             <a:r>
-              <a:t>Recurrent Neural Networks (RNNs): For sequential data.</a:t>
+              <a:t>Validation and testing sets.</a:t>
             </a:r>
           </a:p>
           <a:p>
@@ -7993,7 +7507,7 @@
               <a:defRPr sz="1800"/>
             </a:pPr>
             <a:r>
-              <a:t>Long Short-Term Memory (LSTM) networks:  Advanced RNNs for long sequences.</a:t>
+              <a:t>Evaluating model performance (accuracy, precision, recall, F1-score).</a:t>
             </a:r>
           </a:p>
         </p:txBody>
